--- a/Jack's Car Rental.pptx
+++ b/Jack's Car Rental.pptx
@@ -5,7 +5,7 @@
     <p:sldMasterId id="2147483648" r:id="rId1"/>
   </p:sldMasterIdLst>
   <p:notesMasterIdLst>
-    <p:notesMasterId r:id="rId13"/>
+    <p:notesMasterId r:id="rId12"/>
   </p:notesMasterIdLst>
   <p:sldIdLst>
     <p:sldId id="256" r:id="rId2"/>
@@ -17,8 +17,7 @@
     <p:sldId id="259" r:id="rId8"/>
     <p:sldId id="260" r:id="rId9"/>
     <p:sldId id="263" r:id="rId10"/>
-    <p:sldId id="265" r:id="rId11"/>
-    <p:sldId id="266" r:id="rId12"/>
+    <p:sldId id="266" r:id="rId11"/>
   </p:sldIdLst>
   <p:sldSz cx="12192000" cy="6858000"/>
   <p:notesSz cx="6858000" cy="9144000"/>
@@ -118,6 +117,28 @@
     </a:lvl9pPr>
   </p:defaultTextStyle>
   <p:extLst>
+    <p:ext uri="{521415D9-36F7-43E2-AB2F-B90AF26B5E84}">
+      <p14:sectionLst xmlns:p14="http://schemas.microsoft.com/office/powerpoint/2010/main">
+        <p14:section name="Default Section" id="{E01FE6F3-0DA7-40B2-8316-CC01E9292BC0}">
+          <p14:sldIdLst>
+            <p14:sldId id="256"/>
+            <p14:sldId id="264"/>
+            <p14:sldId id="257"/>
+            <p14:sldId id="258"/>
+            <p14:sldId id="261"/>
+            <p14:sldId id="262"/>
+            <p14:sldId id="259"/>
+            <p14:sldId id="260"/>
+          </p14:sldIdLst>
+        </p14:section>
+        <p14:section name="Untitled Section" id="{44145EF3-CA6F-442B-91C1-B54C44C66697}">
+          <p14:sldIdLst>
+            <p14:sldId id="263"/>
+            <p14:sldId id="266"/>
+          </p14:sldIdLst>
+        </p14:section>
+      </p14:sectionLst>
+    </p:ext>
     <p:ext uri="{EFAFB233-063F-42B5-8137-9DF3F51BA10A}">
       <p15:sldGuideLst xmlns:p15="http://schemas.microsoft.com/office/powerpoint/2012/main"/>
     </p:ext>
@@ -207,7 +228,7 @@
           <a:p>
             <a:fld id="{FB4921A4-EEFF-4A10-88D7-CB62EF359CA4}" type="datetimeFigureOut">
               <a:rPr lang="en-US" smtClean="0"/>
-              <a:t>2/12/2019</a:t>
+              <a:t>2/18/2019</a:t>
             </a:fld>
             <a:endParaRPr lang="en-US" dirty="0"/>
           </a:p>
@@ -627,7 +648,7 @@
           <a:p>
             <a:fld id="{E4DDF8E4-C320-4233-86E4-DAED509E2F65}" type="slidenum">
               <a:rPr lang="en-US" smtClean="0"/>
-              <a:t>11</a:t>
+              <a:t>10</a:t>
             </a:fld>
             <a:endParaRPr lang="en-US" dirty="0"/>
           </a:p>
@@ -793,7 +814,7 @@
           <a:p>
             <a:fld id="{3A353D9D-0DF9-41D1-BEF4-13FE579A5E59}" type="datetimeFigureOut">
               <a:rPr lang="en-US" smtClean="0"/>
-              <a:t>2/12/2019</a:t>
+              <a:t>2/18/2019</a:t>
             </a:fld>
             <a:endParaRPr lang="en-US" dirty="0"/>
           </a:p>
@@ -991,7 +1012,7 @@
           <a:p>
             <a:fld id="{3A353D9D-0DF9-41D1-BEF4-13FE579A5E59}" type="datetimeFigureOut">
               <a:rPr lang="en-US" smtClean="0"/>
-              <a:t>2/12/2019</a:t>
+              <a:t>2/18/2019</a:t>
             </a:fld>
             <a:endParaRPr lang="en-US" dirty="0"/>
           </a:p>
@@ -1199,7 +1220,7 @@
           <a:p>
             <a:fld id="{3A353D9D-0DF9-41D1-BEF4-13FE579A5E59}" type="datetimeFigureOut">
               <a:rPr lang="en-US" smtClean="0"/>
-              <a:t>2/12/2019</a:t>
+              <a:t>2/18/2019</a:t>
             </a:fld>
             <a:endParaRPr lang="en-US" dirty="0"/>
           </a:p>
@@ -1397,7 +1418,7 @@
           <a:p>
             <a:fld id="{3A353D9D-0DF9-41D1-BEF4-13FE579A5E59}" type="datetimeFigureOut">
               <a:rPr lang="en-US" smtClean="0"/>
-              <a:t>2/12/2019</a:t>
+              <a:t>2/18/2019</a:t>
             </a:fld>
             <a:endParaRPr lang="en-US" dirty="0"/>
           </a:p>
@@ -1672,7 +1693,7 @@
           <a:p>
             <a:fld id="{3A353D9D-0DF9-41D1-BEF4-13FE579A5E59}" type="datetimeFigureOut">
               <a:rPr lang="en-US" smtClean="0"/>
-              <a:t>2/12/2019</a:t>
+              <a:t>2/18/2019</a:t>
             </a:fld>
             <a:endParaRPr lang="en-US" dirty="0"/>
           </a:p>
@@ -1937,7 +1958,7 @@
           <a:p>
             <a:fld id="{3A353D9D-0DF9-41D1-BEF4-13FE579A5E59}" type="datetimeFigureOut">
               <a:rPr lang="en-US" smtClean="0"/>
-              <a:t>2/12/2019</a:t>
+              <a:t>2/18/2019</a:t>
             </a:fld>
             <a:endParaRPr lang="en-US" dirty="0"/>
           </a:p>
@@ -2349,7 +2370,7 @@
           <a:p>
             <a:fld id="{3A353D9D-0DF9-41D1-BEF4-13FE579A5E59}" type="datetimeFigureOut">
               <a:rPr lang="en-US" smtClean="0"/>
-              <a:t>2/12/2019</a:t>
+              <a:t>2/18/2019</a:t>
             </a:fld>
             <a:endParaRPr lang="en-US" dirty="0"/>
           </a:p>
@@ -2490,7 +2511,7 @@
           <a:p>
             <a:fld id="{3A353D9D-0DF9-41D1-BEF4-13FE579A5E59}" type="datetimeFigureOut">
               <a:rPr lang="en-US" smtClean="0"/>
-              <a:t>2/12/2019</a:t>
+              <a:t>2/18/2019</a:t>
             </a:fld>
             <a:endParaRPr lang="en-US" dirty="0"/>
           </a:p>
@@ -2603,7 +2624,7 @@
           <a:p>
             <a:fld id="{3A353D9D-0DF9-41D1-BEF4-13FE579A5E59}" type="datetimeFigureOut">
               <a:rPr lang="en-US" smtClean="0"/>
-              <a:t>2/12/2019</a:t>
+              <a:t>2/18/2019</a:t>
             </a:fld>
             <a:endParaRPr lang="en-US" dirty="0"/>
           </a:p>
@@ -2914,7 +2935,7 @@
           <a:p>
             <a:fld id="{3A353D9D-0DF9-41D1-BEF4-13FE579A5E59}" type="datetimeFigureOut">
               <a:rPr lang="en-US" smtClean="0"/>
-              <a:t>2/12/2019</a:t>
+              <a:t>2/18/2019</a:t>
             </a:fld>
             <a:endParaRPr lang="en-US" dirty="0"/>
           </a:p>
@@ -3202,7 +3223,7 @@
           <a:p>
             <a:fld id="{3A353D9D-0DF9-41D1-BEF4-13FE579A5E59}" type="datetimeFigureOut">
               <a:rPr lang="en-US" smtClean="0"/>
-              <a:t>2/12/2019</a:t>
+              <a:t>2/18/2019</a:t>
             </a:fld>
             <a:endParaRPr lang="en-US" dirty="0"/>
           </a:p>
@@ -3443,7 +3464,7 @@
           <a:p>
             <a:fld id="{3A353D9D-0DF9-41D1-BEF4-13FE579A5E59}" type="datetimeFigureOut">
               <a:rPr lang="en-US" smtClean="0"/>
-              <a:t>2/12/2019</a:t>
+              <a:t>2/18/2019</a:t>
             </a:fld>
             <a:endParaRPr lang="en-US" dirty="0"/>
           </a:p>
@@ -4006,744 +4027,6 @@
 </file>
 
 <file path=ppt/slides/slide10.xml><?xml version="1.0" encoding="utf-8"?>
-<p:sld xmlns:a="http://schemas.openxmlformats.org/drawingml/2006/main" xmlns:r="http://schemas.openxmlformats.org/officeDocument/2006/relationships" xmlns:p="http://schemas.openxmlformats.org/presentationml/2006/main">
-  <p:cSld>
-    <p:spTree>
-      <p:nvGrpSpPr>
-        <p:cNvPr id="1" name=""/>
-        <p:cNvGrpSpPr/>
-        <p:nvPr/>
-      </p:nvGrpSpPr>
-      <p:grpSpPr>
-        <a:xfrm>
-          <a:off x="0" y="0"/>
-          <a:ext cx="0" cy="0"/>
-          <a:chOff x="0" y="0"/>
-          <a:chExt cx="0" cy="0"/>
-        </a:xfrm>
-      </p:grpSpPr>
-      <p:sp>
-        <p:nvSpPr>
-          <p:cNvPr id="2" name="Title 1">
-            <a:extLst>
-              <a:ext uri="{FF2B5EF4-FFF2-40B4-BE49-F238E27FC236}">
-                <a16:creationId xmlns:a16="http://schemas.microsoft.com/office/drawing/2014/main" id="{1C616B05-45E8-4FE8-A907-93AD422D1C2C}"/>
-              </a:ext>
-            </a:extLst>
-          </p:cNvPr>
-          <p:cNvSpPr>
-            <a:spLocks noGrp="1"/>
-          </p:cNvSpPr>
-          <p:nvPr>
-            <p:ph type="title"/>
-          </p:nvPr>
-        </p:nvSpPr>
-        <p:spPr/>
-        <p:txBody>
-          <a:bodyPr/>
-          <a:lstStyle/>
-          <a:p>
-            <a:r>
-              <a:rPr lang="en-US" dirty="0"/>
-              <a:t>6. Value/Policy Changes (2/2)</a:t>
-            </a:r>
-          </a:p>
-        </p:txBody>
-      </p:sp>
-      <p:sp>
-        <p:nvSpPr>
-          <p:cNvPr id="4" name="Content Placeholder 3">
-            <a:extLst>
-              <a:ext uri="{FF2B5EF4-FFF2-40B4-BE49-F238E27FC236}">
-                <a16:creationId xmlns:a16="http://schemas.microsoft.com/office/drawing/2014/main" id="{7CE68C8C-749A-43A2-9EAA-B446AF023152}"/>
-              </a:ext>
-            </a:extLst>
-          </p:cNvPr>
-          <p:cNvSpPr>
-            <a:spLocks noGrp="1"/>
-          </p:cNvSpPr>
-          <p:nvPr>
-            <p:ph sz="half" idx="1"/>
-          </p:nvPr>
-        </p:nvSpPr>
-        <p:spPr>
-          <a:xfrm>
-            <a:off x="3535553" y="1926108"/>
-            <a:ext cx="2230943" cy="4434495"/>
-          </a:xfrm>
-          <a:ln>
-            <a:solidFill>
-              <a:schemeClr val="tx1"/>
-            </a:solidFill>
-          </a:ln>
-        </p:spPr>
-        <p:txBody>
-          <a:bodyPr>
-            <a:noAutofit/>
-          </a:bodyPr>
-          <a:lstStyle/>
-          <a:p>
-            <a:pPr marL="0" indent="0">
-              <a:buNone/>
-            </a:pPr>
-            <a:r>
-              <a:rPr lang="en-US" sz="1400" dirty="0"/>
-              <a:t>value change 17.749357</a:t>
-            </a:r>
-          </a:p>
-          <a:p>
-            <a:pPr marL="0" indent="0">
-              <a:buNone/>
-            </a:pPr>
-            <a:r>
-              <a:rPr lang="en-US" sz="1400" dirty="0"/>
-              <a:t>value change 13.007169</a:t>
-            </a:r>
-          </a:p>
-          <a:p>
-            <a:pPr marL="0" indent="0">
-              <a:buNone/>
-            </a:pPr>
-            <a:r>
-              <a:rPr lang="en-US" sz="1400" dirty="0"/>
-              <a:t>value change 10.449136</a:t>
-            </a:r>
-          </a:p>
-          <a:p>
-            <a:pPr marL="0" indent="0">
-              <a:buNone/>
-            </a:pPr>
-            <a:r>
-              <a:rPr lang="en-US" sz="1400" dirty="0"/>
-              <a:t>value change 8.010925</a:t>
-            </a:r>
-          </a:p>
-          <a:p>
-            <a:pPr marL="0" indent="0">
-              <a:buNone/>
-            </a:pPr>
-            <a:r>
-              <a:rPr lang="en-US" sz="1400" dirty="0"/>
-              <a:t>value change 5.874832</a:t>
-            </a:r>
-          </a:p>
-          <a:p>
-            <a:pPr marL="0" indent="0">
-              <a:buNone/>
-            </a:pPr>
-            <a:r>
-              <a:rPr lang="en-US" sz="1400" dirty="0"/>
-              <a:t>.</a:t>
-            </a:r>
-          </a:p>
-          <a:p>
-            <a:pPr marL="0" indent="0">
-              <a:buNone/>
-            </a:pPr>
-            <a:r>
-              <a:rPr lang="en-US" sz="1400" dirty="0"/>
-              <a:t>.</a:t>
-            </a:r>
-          </a:p>
-          <a:p>
-            <a:pPr marL="0" indent="0">
-              <a:buNone/>
-            </a:pPr>
-            <a:r>
-              <a:rPr lang="en-US" sz="1400" dirty="0"/>
-              <a:t>value change 0.000264</a:t>
-            </a:r>
-          </a:p>
-          <a:p>
-            <a:pPr marL="0" indent="0">
-              <a:buNone/>
-            </a:pPr>
-            <a:r>
-              <a:rPr lang="en-US" sz="1400" dirty="0"/>
-              <a:t>value change 0.000215</a:t>
-            </a:r>
-          </a:p>
-          <a:p>
-            <a:pPr marL="0" indent="0">
-              <a:buNone/>
-            </a:pPr>
-            <a:r>
-              <a:rPr lang="en-US" sz="1400" dirty="0"/>
-              <a:t>value change 0.000175</a:t>
-            </a:r>
-          </a:p>
-          <a:p>
-            <a:pPr marL="0" indent="0">
-              <a:buNone/>
-            </a:pPr>
-            <a:r>
-              <a:rPr lang="en-US" sz="1400" dirty="0"/>
-              <a:t>value change 0.000142</a:t>
-            </a:r>
-          </a:p>
-          <a:p>
-            <a:pPr marL="0" indent="0">
-              <a:buNone/>
-            </a:pPr>
-            <a:r>
-              <a:rPr lang="en-US" sz="1400" dirty="0"/>
-              <a:t>value change 0.000116</a:t>
-            </a:r>
-          </a:p>
-          <a:p>
-            <a:pPr marL="0" indent="0">
-              <a:buNone/>
-            </a:pPr>
-            <a:r>
-              <a:rPr lang="en-US" sz="1400" dirty="0"/>
-              <a:t>value change 0.000094</a:t>
-            </a:r>
-          </a:p>
-          <a:p>
-            <a:pPr marL="0" indent="0">
-              <a:buNone/>
-            </a:pPr>
-            <a:r>
-              <a:rPr lang="en-US" sz="1400" dirty="0">
-                <a:highlight>
-                  <a:srgbClr val="FFFF00"/>
-                </a:highlight>
-              </a:rPr>
-              <a:t>policy changed in 10 states</a:t>
-            </a:r>
-          </a:p>
-        </p:txBody>
-      </p:sp>
-      <p:sp>
-        <p:nvSpPr>
-          <p:cNvPr id="5" name="Content Placeholder 4">
-            <a:extLst>
-              <a:ext uri="{FF2B5EF4-FFF2-40B4-BE49-F238E27FC236}">
-                <a16:creationId xmlns:a16="http://schemas.microsoft.com/office/drawing/2014/main" id="{CDD115A7-7DDE-4AF0-8147-8A952E4AE1EB}"/>
-              </a:ext>
-            </a:extLst>
-          </p:cNvPr>
-          <p:cNvSpPr>
-            <a:spLocks noGrp="1"/>
-          </p:cNvSpPr>
-          <p:nvPr>
-            <p:ph sz="half" idx="2"/>
-          </p:nvPr>
-        </p:nvSpPr>
-        <p:spPr>
-          <a:xfrm>
-            <a:off x="8271048" y="1926109"/>
-            <a:ext cx="2360526" cy="4434494"/>
-          </a:xfrm>
-          <a:ln>
-            <a:solidFill>
-              <a:schemeClr val="tx1"/>
-            </a:solidFill>
-          </a:ln>
-        </p:spPr>
-        <p:txBody>
-          <a:bodyPr>
-            <a:noAutofit/>
-          </a:bodyPr>
-          <a:lstStyle/>
-          <a:p>
-            <a:pPr marL="0" indent="0">
-              <a:buNone/>
-            </a:pPr>
-            <a:r>
-              <a:rPr lang="en-US" sz="1400" dirty="0"/>
-              <a:t>value change 0.435993</a:t>
-            </a:r>
-          </a:p>
-          <a:p>
-            <a:pPr marL="0" indent="0">
-              <a:buNone/>
-            </a:pPr>
-            <a:r>
-              <a:rPr lang="en-US" sz="1400" dirty="0"/>
-              <a:t>value change 0.360778</a:t>
-            </a:r>
-          </a:p>
-          <a:p>
-            <a:pPr marL="0" indent="0">
-              <a:buNone/>
-            </a:pPr>
-            <a:r>
-              <a:rPr lang="en-US" sz="1400" dirty="0"/>
-              <a:t>value change 0.255713</a:t>
-            </a:r>
-          </a:p>
-          <a:p>
-            <a:pPr marL="0" indent="0">
-              <a:buNone/>
-            </a:pPr>
-            <a:r>
-              <a:rPr lang="en-US" sz="1400" dirty="0"/>
-              <a:t>value change 0.167818</a:t>
-            </a:r>
-          </a:p>
-          <a:p>
-            <a:pPr marL="0" indent="0">
-              <a:buNone/>
-            </a:pPr>
-            <a:r>
-              <a:rPr lang="en-US" sz="1400" dirty="0"/>
-              <a:t>value change 0.105331</a:t>
-            </a:r>
-          </a:p>
-          <a:p>
-            <a:pPr marL="0" indent="0">
-              <a:buNone/>
-            </a:pPr>
-            <a:r>
-              <a:rPr lang="en-US" sz="1400" dirty="0"/>
-              <a:t>.</a:t>
-            </a:r>
-          </a:p>
-          <a:p>
-            <a:pPr marL="0" indent="0">
-              <a:buNone/>
-            </a:pPr>
-            <a:r>
-              <a:rPr lang="en-US" sz="1400" dirty="0"/>
-              <a:t>.</a:t>
-            </a:r>
-          </a:p>
-          <a:p>
-            <a:pPr marL="0" indent="0">
-              <a:buNone/>
-            </a:pPr>
-            <a:r>
-              <a:rPr lang="en-US" sz="1400" dirty="0"/>
-              <a:t>value change 0.000286</a:t>
-            </a:r>
-          </a:p>
-          <a:p>
-            <a:pPr marL="0" indent="0">
-              <a:buNone/>
-            </a:pPr>
-            <a:r>
-              <a:rPr lang="en-US" sz="1400" dirty="0"/>
-              <a:t>value change 0.000229</a:t>
-            </a:r>
-          </a:p>
-          <a:p>
-            <a:pPr marL="0" indent="0">
-              <a:buNone/>
-            </a:pPr>
-            <a:r>
-              <a:rPr lang="en-US" sz="1400" dirty="0"/>
-              <a:t>value change 0.000185</a:t>
-            </a:r>
-          </a:p>
-          <a:p>
-            <a:pPr marL="0" indent="0">
-              <a:buNone/>
-            </a:pPr>
-            <a:r>
-              <a:rPr lang="en-US" sz="1400" dirty="0"/>
-              <a:t>value change 0.000149</a:t>
-            </a:r>
-          </a:p>
-          <a:p>
-            <a:pPr marL="0" indent="0">
-              <a:buNone/>
-            </a:pPr>
-            <a:r>
-              <a:rPr lang="en-US" sz="1400" dirty="0"/>
-              <a:t>value change 0.000121</a:t>
-            </a:r>
-          </a:p>
-          <a:p>
-            <a:pPr marL="0" indent="0">
-              <a:buNone/>
-            </a:pPr>
-            <a:r>
-              <a:rPr lang="en-US" sz="1400" dirty="0"/>
-              <a:t>value change 0.000098</a:t>
-            </a:r>
-          </a:p>
-          <a:p>
-            <a:pPr marL="0" indent="0">
-              <a:buNone/>
-            </a:pPr>
-            <a:r>
-              <a:rPr lang="en-US" sz="1400" dirty="0">
-                <a:highlight>
-                  <a:srgbClr val="FFFF00"/>
-                </a:highlight>
-              </a:rPr>
-              <a:t>policy changed in 0 states</a:t>
-            </a:r>
-          </a:p>
-        </p:txBody>
-      </p:sp>
-      <p:cxnSp>
-        <p:nvCxnSpPr>
-          <p:cNvPr id="7" name="Straight Arrow Connector 6">
-            <a:extLst>
-              <a:ext uri="{FF2B5EF4-FFF2-40B4-BE49-F238E27FC236}">
-                <a16:creationId xmlns:a16="http://schemas.microsoft.com/office/drawing/2014/main" id="{8C7BEE01-88D0-405E-AC52-39DA7DD6E57F}"/>
-              </a:ext>
-            </a:extLst>
-          </p:cNvPr>
-          <p:cNvCxnSpPr/>
-          <p:nvPr/>
-        </p:nvCxnSpPr>
-        <p:spPr>
-          <a:xfrm>
-            <a:off x="6199832" y="3938954"/>
-            <a:ext cx="1637881" cy="0"/>
-          </a:xfrm>
-          <a:prstGeom prst="straightConnector1">
-            <a:avLst/>
-          </a:prstGeom>
-          <a:ln w="76200">
-            <a:tailEnd type="triangle"/>
-          </a:ln>
-        </p:spPr>
-        <p:style>
-          <a:lnRef idx="3">
-            <a:schemeClr val="accent1"/>
-          </a:lnRef>
-          <a:fillRef idx="0">
-            <a:schemeClr val="accent1"/>
-          </a:fillRef>
-          <a:effectRef idx="2">
-            <a:schemeClr val="accent1"/>
-          </a:effectRef>
-          <a:fontRef idx="minor">
-            <a:schemeClr val="tx1"/>
-          </a:fontRef>
-        </p:style>
-      </p:cxnSp>
-      <p:cxnSp>
-        <p:nvCxnSpPr>
-          <p:cNvPr id="9" name="Straight Arrow Connector 8">
-            <a:extLst>
-              <a:ext uri="{FF2B5EF4-FFF2-40B4-BE49-F238E27FC236}">
-                <a16:creationId xmlns:a16="http://schemas.microsoft.com/office/drawing/2014/main" id="{FE8E16BD-6E77-4950-876A-DFEEDBAAE803}"/>
-              </a:ext>
-            </a:extLst>
-          </p:cNvPr>
-          <p:cNvCxnSpPr/>
-          <p:nvPr/>
-        </p:nvCxnSpPr>
-        <p:spPr>
-          <a:xfrm>
-            <a:off x="741485" y="3938954"/>
-            <a:ext cx="1637881" cy="0"/>
-          </a:xfrm>
-          <a:prstGeom prst="straightConnector1">
-            <a:avLst/>
-          </a:prstGeom>
-          <a:ln w="76200">
-            <a:tailEnd type="triangle"/>
-          </a:ln>
-        </p:spPr>
-        <p:style>
-          <a:lnRef idx="3">
-            <a:schemeClr val="accent1"/>
-          </a:lnRef>
-          <a:fillRef idx="0">
-            <a:schemeClr val="accent1"/>
-          </a:fillRef>
-          <a:effectRef idx="2">
-            <a:schemeClr val="accent1"/>
-          </a:effectRef>
-          <a:fontRef idx="minor">
-            <a:schemeClr val="tx1"/>
-          </a:fontRef>
-        </p:style>
-      </p:cxnSp>
-      <p:sp>
-        <p:nvSpPr>
-          <p:cNvPr id="10" name="TextBox 9">
-            <a:extLst>
-              <a:ext uri="{FF2B5EF4-FFF2-40B4-BE49-F238E27FC236}">
-                <a16:creationId xmlns:a16="http://schemas.microsoft.com/office/drawing/2014/main" id="{D8BBE6B5-E751-45E5-A179-F5DFC67CEBF5}"/>
-              </a:ext>
-            </a:extLst>
-          </p:cNvPr>
-          <p:cNvSpPr txBox="1"/>
-          <p:nvPr/>
-        </p:nvSpPr>
-        <p:spPr>
-          <a:xfrm>
-            <a:off x="2648997" y="3677344"/>
-            <a:ext cx="704039" cy="523220"/>
-          </a:xfrm>
-          <a:prstGeom prst="rect">
-            <a:avLst/>
-          </a:prstGeom>
-          <a:noFill/>
-        </p:spPr>
-        <p:txBody>
-          <a:bodyPr wrap="none" rtlCol="0">
-            <a:spAutoFit/>
-          </a:bodyPr>
-          <a:lstStyle/>
-          <a:p>
-            <a:r>
-              <a:rPr lang="en-US" sz="2800" dirty="0">
-                <a:solidFill>
-                  <a:schemeClr val="accent1"/>
-                </a:solidFill>
-              </a:rPr>
-              <a:t>. . . </a:t>
-            </a:r>
-          </a:p>
-        </p:txBody>
-      </p:sp>
-      <p:sp>
-        <p:nvSpPr>
-          <p:cNvPr id="3" name="Freeform: Shape 2">
-            <a:extLst>
-              <a:ext uri="{FF2B5EF4-FFF2-40B4-BE49-F238E27FC236}">
-                <a16:creationId xmlns:a16="http://schemas.microsoft.com/office/drawing/2014/main" id="{8145EC33-0F95-428B-9038-A35ABD0E981F}"/>
-              </a:ext>
-            </a:extLst>
-          </p:cNvPr>
-          <p:cNvSpPr/>
-          <p:nvPr/>
-        </p:nvSpPr>
-        <p:spPr>
-          <a:xfrm>
-            <a:off x="10492153" y="5647089"/>
-            <a:ext cx="572756" cy="713514"/>
-          </a:xfrm>
-          <a:custGeom>
-            <a:avLst/>
-            <a:gdLst>
-              <a:gd name="connsiteX0" fmla="*/ 0 w 572756"/>
-              <a:gd name="connsiteY0" fmla="*/ 361821 h 713514"/>
-              <a:gd name="connsiteX1" fmla="*/ 0 w 572756"/>
-              <a:gd name="connsiteY1" fmla="*/ 361821 h 713514"/>
-              <a:gd name="connsiteX2" fmla="*/ 90435 w 572756"/>
-              <a:gd name="connsiteY2" fmla="*/ 492450 h 713514"/>
-              <a:gd name="connsiteX3" fmla="*/ 130629 w 572756"/>
-              <a:gd name="connsiteY3" fmla="*/ 522595 h 713514"/>
-              <a:gd name="connsiteX4" fmla="*/ 150726 w 572756"/>
-              <a:gd name="connsiteY4" fmla="*/ 552740 h 713514"/>
-              <a:gd name="connsiteX5" fmla="*/ 180871 w 572756"/>
-              <a:gd name="connsiteY5" fmla="*/ 582885 h 713514"/>
-              <a:gd name="connsiteX6" fmla="*/ 241161 w 572756"/>
-              <a:gd name="connsiteY6" fmla="*/ 643175 h 713514"/>
-              <a:gd name="connsiteX7" fmla="*/ 251209 w 572756"/>
-              <a:gd name="connsiteY7" fmla="*/ 673320 h 713514"/>
-              <a:gd name="connsiteX8" fmla="*/ 281354 w 572756"/>
-              <a:gd name="connsiteY8" fmla="*/ 713514 h 713514"/>
-              <a:gd name="connsiteX9" fmla="*/ 281354 w 572756"/>
-              <a:gd name="connsiteY9" fmla="*/ 713514 h 713514"/>
-              <a:gd name="connsiteX10" fmla="*/ 341644 w 572756"/>
-              <a:gd name="connsiteY10" fmla="*/ 582885 h 713514"/>
-              <a:gd name="connsiteX11" fmla="*/ 361741 w 572756"/>
-              <a:gd name="connsiteY11" fmla="*/ 502498 h 713514"/>
-              <a:gd name="connsiteX12" fmla="*/ 452176 w 572756"/>
-              <a:gd name="connsiteY12" fmla="*/ 311580 h 713514"/>
-              <a:gd name="connsiteX13" fmla="*/ 502418 w 572756"/>
-              <a:gd name="connsiteY13" fmla="*/ 130709 h 713514"/>
-              <a:gd name="connsiteX14" fmla="*/ 552660 w 572756"/>
-              <a:gd name="connsiteY14" fmla="*/ 30226 h 713514"/>
-              <a:gd name="connsiteX15" fmla="*/ 572756 w 572756"/>
-              <a:gd name="connsiteY15" fmla="*/ 81 h 713514"/>
-              <a:gd name="connsiteX16" fmla="*/ 291402 w 572756"/>
-              <a:gd name="connsiteY16" fmla="*/ 532643 h 713514"/>
-              <a:gd name="connsiteX17" fmla="*/ 0 w 572756"/>
-              <a:gd name="connsiteY17" fmla="*/ 412063 h 713514"/>
-              <a:gd name="connsiteX18" fmla="*/ 0 w 572756"/>
-              <a:gd name="connsiteY18" fmla="*/ 361821 h 713514"/>
-            </a:gdLst>
-            <a:ahLst/>
-            <a:cxnLst>
-              <a:cxn ang="0">
-                <a:pos x="connsiteX0" y="connsiteY0"/>
-              </a:cxn>
-              <a:cxn ang="0">
-                <a:pos x="connsiteX1" y="connsiteY1"/>
-              </a:cxn>
-              <a:cxn ang="0">
-                <a:pos x="connsiteX2" y="connsiteY2"/>
-              </a:cxn>
-              <a:cxn ang="0">
-                <a:pos x="connsiteX3" y="connsiteY3"/>
-              </a:cxn>
-              <a:cxn ang="0">
-                <a:pos x="connsiteX4" y="connsiteY4"/>
-              </a:cxn>
-              <a:cxn ang="0">
-                <a:pos x="connsiteX5" y="connsiteY5"/>
-              </a:cxn>
-              <a:cxn ang="0">
-                <a:pos x="connsiteX6" y="connsiteY6"/>
-              </a:cxn>
-              <a:cxn ang="0">
-                <a:pos x="connsiteX7" y="connsiteY7"/>
-              </a:cxn>
-              <a:cxn ang="0">
-                <a:pos x="connsiteX8" y="connsiteY8"/>
-              </a:cxn>
-              <a:cxn ang="0">
-                <a:pos x="connsiteX9" y="connsiteY9"/>
-              </a:cxn>
-              <a:cxn ang="0">
-                <a:pos x="connsiteX10" y="connsiteY10"/>
-              </a:cxn>
-              <a:cxn ang="0">
-                <a:pos x="connsiteX11" y="connsiteY11"/>
-              </a:cxn>
-              <a:cxn ang="0">
-                <a:pos x="connsiteX12" y="connsiteY12"/>
-              </a:cxn>
-              <a:cxn ang="0">
-                <a:pos x="connsiteX13" y="connsiteY13"/>
-              </a:cxn>
-              <a:cxn ang="0">
-                <a:pos x="connsiteX14" y="connsiteY14"/>
-              </a:cxn>
-              <a:cxn ang="0">
-                <a:pos x="connsiteX15" y="connsiteY15"/>
-              </a:cxn>
-              <a:cxn ang="0">
-                <a:pos x="connsiteX16" y="connsiteY16"/>
-              </a:cxn>
-              <a:cxn ang="0">
-                <a:pos x="connsiteX17" y="connsiteY17"/>
-              </a:cxn>
-              <a:cxn ang="0">
-                <a:pos x="connsiteX18" y="connsiteY18"/>
-              </a:cxn>
-            </a:cxnLst>
-            <a:rect l="l" t="t" r="r" b="b"/>
-            <a:pathLst>
-              <a:path w="572756" h="713514">
-                <a:moveTo>
-                  <a:pt x="0" y="361821"/>
-                </a:moveTo>
-                <a:lnTo>
-                  <a:pt x="0" y="361821"/>
-                </a:lnTo>
-                <a:cubicBezTo>
-                  <a:pt x="30145" y="405364"/>
-                  <a:pt x="48067" y="460675"/>
-                  <a:pt x="90435" y="492450"/>
-                </a:cubicBezTo>
-                <a:cubicBezTo>
-                  <a:pt x="103833" y="502498"/>
-                  <a:pt x="118787" y="510753"/>
-                  <a:pt x="130629" y="522595"/>
-                </a:cubicBezTo>
-                <a:cubicBezTo>
-                  <a:pt x="139169" y="531134"/>
-                  <a:pt x="142995" y="543462"/>
-                  <a:pt x="150726" y="552740"/>
-                </a:cubicBezTo>
-                <a:cubicBezTo>
-                  <a:pt x="159823" y="563657"/>
-                  <a:pt x="171623" y="572096"/>
-                  <a:pt x="180871" y="582885"/>
-                </a:cubicBezTo>
-                <a:cubicBezTo>
-                  <a:pt x="230725" y="641049"/>
-                  <a:pt x="188094" y="607798"/>
-                  <a:pt x="241161" y="643175"/>
-                </a:cubicBezTo>
-                <a:cubicBezTo>
-                  <a:pt x="244510" y="653223"/>
-                  <a:pt x="245954" y="664124"/>
-                  <a:pt x="251209" y="673320"/>
-                </a:cubicBezTo>
-                <a:cubicBezTo>
-                  <a:pt x="259518" y="687861"/>
-                  <a:pt x="281354" y="713514"/>
-                  <a:pt x="281354" y="713514"/>
-                </a:cubicBezTo>
-                <a:lnTo>
-                  <a:pt x="281354" y="713514"/>
-                </a:lnTo>
-                <a:cubicBezTo>
-                  <a:pt x="301451" y="669971"/>
-                  <a:pt x="324572" y="627700"/>
-                  <a:pt x="341644" y="582885"/>
-                </a:cubicBezTo>
-                <a:cubicBezTo>
-                  <a:pt x="351477" y="557074"/>
-                  <a:pt x="351730" y="528240"/>
-                  <a:pt x="361741" y="502498"/>
-                </a:cubicBezTo>
-                <a:cubicBezTo>
-                  <a:pt x="428468" y="330917"/>
-                  <a:pt x="395249" y="472874"/>
-                  <a:pt x="452176" y="311580"/>
-                </a:cubicBezTo>
-                <a:cubicBezTo>
-                  <a:pt x="505575" y="160284"/>
-                  <a:pt x="432912" y="304473"/>
-                  <a:pt x="502418" y="130709"/>
-                </a:cubicBezTo>
-                <a:cubicBezTo>
-                  <a:pt x="516326" y="95940"/>
-                  <a:pt x="540818" y="65752"/>
-                  <a:pt x="552660" y="30226"/>
-                </a:cubicBezTo>
-                <a:cubicBezTo>
-                  <a:pt x="563767" y="-3096"/>
-                  <a:pt x="552116" y="81"/>
-                  <a:pt x="572756" y="81"/>
-                </a:cubicBezTo>
-                <a:lnTo>
-                  <a:pt x="291402" y="532643"/>
-                </a:lnTo>
-                <a:lnTo>
-                  <a:pt x="0" y="412063"/>
-                </a:lnTo>
-                <a:lnTo>
-                  <a:pt x="0" y="361821"/>
-                </a:lnTo>
-                <a:close/>
-              </a:path>
-            </a:pathLst>
-          </a:custGeom>
-        </p:spPr>
-        <p:style>
-          <a:lnRef idx="2">
-            <a:schemeClr val="accent1">
-              <a:shade val="50000"/>
-            </a:schemeClr>
-          </a:lnRef>
-          <a:fillRef idx="1">
-            <a:schemeClr val="accent1"/>
-          </a:fillRef>
-          <a:effectRef idx="0">
-            <a:schemeClr val="accent1"/>
-          </a:effectRef>
-          <a:fontRef idx="minor">
-            <a:schemeClr val="lt1"/>
-          </a:fontRef>
-        </p:style>
-        <p:txBody>
-          <a:bodyPr rtlCol="0" anchor="ctr"/>
-          <a:lstStyle/>
-          <a:p>
-            <a:pPr algn="ctr"/>
-            <a:endParaRPr lang="en-US"/>
-          </a:p>
-        </p:txBody>
-      </p:sp>
-    </p:spTree>
-    <p:extLst>
-      <p:ext uri="{BB962C8B-B14F-4D97-AF65-F5344CB8AC3E}">
-        <p14:creationId xmlns:p14="http://schemas.microsoft.com/office/powerpoint/2010/main" val="1820570053"/>
-      </p:ext>
-    </p:extLst>
-  </p:cSld>
-  <p:clrMapOvr>
-    <a:masterClrMapping/>
-  </p:clrMapOvr>
-</p:sld>
-</file>
-
-<file path=ppt/slides/slide11.xml><?xml version="1.0" encoding="utf-8"?>
 <p:sld xmlns:a="http://schemas.openxmlformats.org/drawingml/2006/main" xmlns:r="http://schemas.openxmlformats.org/officeDocument/2006/relationships" xmlns:p="http://schemas.openxmlformats.org/presentationml/2006/main">
   <p:cSld>
     <p:bg>
@@ -6475,6 +5758,10 @@
           </p:nvPr>
         </p:nvSpPr>
         <p:spPr>
+          <a:xfrm>
+            <a:off x="838200" y="1825625"/>
+            <a:ext cx="5257800" cy="4351338"/>
+          </a:xfrm>
           <a:ln>
             <a:solidFill>
               <a:schemeClr val="tx1"/>
@@ -6483,7 +5770,7 @@
         </p:spPr>
         <p:txBody>
           <a:bodyPr>
-            <a:normAutofit/>
+            <a:normAutofit lnSpcReduction="10000"/>
           </a:bodyPr>
           <a:lstStyle/>
           <a:p>
@@ -6671,6 +5958,259 @@
           </a:p>
         </p:txBody>
       </p:sp>
+      <mc:AlternateContent xmlns:mc="http://schemas.openxmlformats.org/markup-compatibility/2006">
+        <mc:Choice xmlns:a14="http://schemas.microsoft.com/office/drawing/2010/main" Requires="a14">
+          <p:sp>
+            <p:nvSpPr>
+              <p:cNvPr id="3" name="Rectangle 2">
+                <a:extLst>
+                  <a:ext uri="{FF2B5EF4-FFF2-40B4-BE49-F238E27FC236}">
+                    <a16:creationId xmlns:a16="http://schemas.microsoft.com/office/drawing/2014/main" id="{B97E28A9-45E5-4B85-B2AF-3F524569EF86}"/>
+                  </a:ext>
+                </a:extLst>
+              </p:cNvPr>
+              <p:cNvSpPr/>
+              <p:nvPr/>
+            </p:nvSpPr>
+            <p:spPr>
+              <a:xfrm>
+                <a:off x="6535592" y="5099026"/>
+                <a:ext cx="872611" cy="625556"/>
+              </a:xfrm>
+              <a:prstGeom prst="rect">
+                <a:avLst/>
+              </a:prstGeom>
+            </p:spPr>
+            <p:txBody>
+              <a:bodyPr wrap="none">
+                <a:spAutoFit/>
+              </a:bodyPr>
+              <a:lstStyle/>
+              <a:p>
+                <a14:m>
+                  <m:oMathPara xmlns:m="http://schemas.openxmlformats.org/officeDocument/2006/math">
+                    <m:oMathParaPr>
+                      <m:jc m:val="centerGroup"/>
+                    </m:oMathParaPr>
+                    <m:oMath xmlns:m="http://schemas.openxmlformats.org/officeDocument/2006/math">
+                      <m:f>
+                        <m:fPr>
+                          <m:ctrlPr>
+                            <a:rPr lang="en-US" i="1">
+                              <a:latin typeface="Cambria Math" panose="02040503050406030204" pitchFamily="18" charset="0"/>
+                            </a:rPr>
+                          </m:ctrlPr>
+                        </m:fPr>
+                        <m:num>
+                          <m:sSup>
+                            <m:sSupPr>
+                              <m:ctrlPr>
+                                <a:rPr lang="en-US" i="1">
+                                  <a:latin typeface="Cambria Math" panose="02040503050406030204" pitchFamily="18" charset="0"/>
+                                </a:rPr>
+                              </m:ctrlPr>
+                            </m:sSupPr>
+                            <m:e>
+                              <m:r>
+                                <a:rPr lang="en-US" i="1">
+                                  <a:latin typeface="Cambria Math" panose="02040503050406030204" pitchFamily="18" charset="0"/>
+                                </a:rPr>
+                                <m:t>𝜆</m:t>
+                              </m:r>
+                            </m:e>
+                            <m:sup>
+                              <m:r>
+                                <a:rPr lang="en-US" i="1">
+                                  <a:latin typeface="Cambria Math" panose="02040503050406030204" pitchFamily="18" charset="0"/>
+                                </a:rPr>
+                                <m:t>𝑛</m:t>
+                              </m:r>
+                            </m:sup>
+                          </m:sSup>
+                        </m:num>
+                        <m:den>
+                          <m:r>
+                            <a:rPr lang="en-US" i="1">
+                              <a:latin typeface="Cambria Math" panose="02040503050406030204" pitchFamily="18" charset="0"/>
+                            </a:rPr>
+                            <m:t>𝑛</m:t>
+                          </m:r>
+                          <m:r>
+                            <a:rPr lang="en-US" i="1">
+                              <a:latin typeface="Cambria Math" panose="02040503050406030204" pitchFamily="18" charset="0"/>
+                            </a:rPr>
+                            <m:t>!</m:t>
+                          </m:r>
+                        </m:den>
+                      </m:f>
+                      <m:sSup>
+                        <m:sSupPr>
+                          <m:ctrlPr>
+                            <a:rPr lang="en-US" i="1">
+                              <a:latin typeface="Cambria Math" panose="02040503050406030204" pitchFamily="18" charset="0"/>
+                            </a:rPr>
+                          </m:ctrlPr>
+                        </m:sSupPr>
+                        <m:e>
+                          <m:r>
+                            <a:rPr lang="en-US" i="1">
+                              <a:latin typeface="Cambria Math" panose="02040503050406030204" pitchFamily="18" charset="0"/>
+                            </a:rPr>
+                            <m:t>𝑒</m:t>
+                          </m:r>
+                        </m:e>
+                        <m:sup>
+                          <m:r>
+                            <a:rPr lang="en-US" i="1">
+                              <a:latin typeface="Cambria Math" panose="02040503050406030204" pitchFamily="18" charset="0"/>
+                            </a:rPr>
+                            <m:t>−</m:t>
+                          </m:r>
+                          <m:r>
+                            <a:rPr lang="en-US" i="1">
+                              <a:latin typeface="Cambria Math" panose="02040503050406030204" pitchFamily="18" charset="0"/>
+                            </a:rPr>
+                            <m:t>𝜆</m:t>
+                          </m:r>
+                        </m:sup>
+                      </m:sSup>
+                    </m:oMath>
+                  </m:oMathPara>
+                </a14:m>
+                <a:endParaRPr lang="en-US" dirty="0"/>
+              </a:p>
+            </p:txBody>
+          </p:sp>
+        </mc:Choice>
+        <mc:Fallback>
+          <p:sp>
+            <p:nvSpPr>
+              <p:cNvPr id="3" name="Rectangle 2">
+                <a:extLst>
+                  <a:ext uri="{FF2B5EF4-FFF2-40B4-BE49-F238E27FC236}">
+                    <a16:creationId xmlns:a16="http://schemas.microsoft.com/office/drawing/2014/main" id="{B97E28A9-45E5-4B85-B2AF-3F524569EF86}"/>
+                  </a:ext>
+                </a:extLst>
+              </p:cNvPr>
+              <p:cNvSpPr>
+                <a:spLocks noRot="1" noChangeAspect="1" noMove="1" noResize="1" noEditPoints="1" noAdjustHandles="1" noChangeArrowheads="1" noChangeShapeType="1" noTextEdit="1"/>
+              </p:cNvSpPr>
+              <p:nvPr/>
+            </p:nvSpPr>
+            <p:spPr>
+              <a:xfrm>
+                <a:off x="6535592" y="5099026"/>
+                <a:ext cx="872611" cy="625556"/>
+              </a:xfrm>
+              <a:prstGeom prst="rect">
+                <a:avLst/>
+              </a:prstGeom>
+              <a:blipFill>
+                <a:blip r:embed="rId2"/>
+                <a:stretch>
+                  <a:fillRect/>
+                </a:stretch>
+              </a:blipFill>
+            </p:spPr>
+            <p:txBody>
+              <a:bodyPr/>
+              <a:lstStyle/>
+              <a:p>
+                <a:r>
+                  <a:rPr lang="en-US">
+                    <a:noFill/>
+                  </a:rPr>
+                  <a:t> </a:t>
+                </a:r>
+              </a:p>
+            </p:txBody>
+          </p:sp>
+        </mc:Fallback>
+      </mc:AlternateContent>
+      <p:cxnSp>
+        <p:nvCxnSpPr>
+          <p:cNvPr id="6" name="Straight Connector 5">
+            <a:extLst>
+              <a:ext uri="{FF2B5EF4-FFF2-40B4-BE49-F238E27FC236}">
+                <a16:creationId xmlns:a16="http://schemas.microsoft.com/office/drawing/2014/main" id="{9CF74538-3B2A-4A99-B86E-1EB03E303523}"/>
+              </a:ext>
+            </a:extLst>
+          </p:cNvPr>
+          <p:cNvCxnSpPr>
+            <a:cxnSpLocks/>
+            <a:endCxn id="3" idx="1"/>
+          </p:cNvCxnSpPr>
+          <p:nvPr/>
+        </p:nvCxnSpPr>
+        <p:spPr>
+          <a:xfrm>
+            <a:off x="5447899" y="5411804"/>
+            <a:ext cx="1087693" cy="0"/>
+          </a:xfrm>
+          <a:prstGeom prst="line">
+            <a:avLst/>
+          </a:prstGeom>
+          <a:ln w="28575" cap="flat" cmpd="sng" algn="ctr">
+            <a:solidFill>
+              <a:schemeClr val="accent1"/>
+            </a:solidFill>
+            <a:prstDash val="dash"/>
+            <a:round/>
+            <a:headEnd type="none" w="med" len="med"/>
+            <a:tailEnd type="none" w="med" len="med"/>
+          </a:ln>
+        </p:spPr>
+        <p:style>
+          <a:lnRef idx="0">
+            <a:scrgbClr r="0" g="0" b="0"/>
+          </a:lnRef>
+          <a:fillRef idx="0">
+            <a:scrgbClr r="0" g="0" b="0"/>
+          </a:fillRef>
+          <a:effectRef idx="0">
+            <a:scrgbClr r="0" g="0" b="0"/>
+          </a:effectRef>
+          <a:fontRef idx="minor">
+            <a:schemeClr val="tx1"/>
+          </a:fontRef>
+        </p:style>
+      </p:cxnSp>
+      <p:pic>
+        <p:nvPicPr>
+          <p:cNvPr id="10" name="Picture 9">
+            <a:extLst>
+              <a:ext uri="{FF2B5EF4-FFF2-40B4-BE49-F238E27FC236}">
+                <a16:creationId xmlns:a16="http://schemas.microsoft.com/office/drawing/2014/main" id="{B4720ADB-6ABE-48D1-8543-C2878586C898}"/>
+              </a:ext>
+            </a:extLst>
+          </p:cNvPr>
+          <p:cNvPicPr>
+            <a:picLocks noChangeAspect="1"/>
+          </p:cNvPicPr>
+          <p:nvPr/>
+        </p:nvPicPr>
+        <p:blipFill>
+          <a:blip r:embed="rId3">
+            <a:extLst>
+              <a:ext uri="{28A0092B-C50C-407E-A947-70E740481C1C}">
+                <a14:useLocalDpi xmlns:a14="http://schemas.microsoft.com/office/drawing/2010/main" val="0"/>
+              </a:ext>
+            </a:extLst>
+          </a:blip>
+          <a:stretch>
+            <a:fillRect/>
+          </a:stretch>
+        </p:blipFill>
+        <p:spPr>
+          <a:xfrm>
+            <a:off x="7408203" y="2843213"/>
+            <a:ext cx="4514850" cy="3333750"/>
+          </a:xfrm>
+          <a:prstGeom prst="rect">
+            <a:avLst/>
+          </a:prstGeom>
+        </p:spPr>
+      </p:pic>
     </p:spTree>
     <p:extLst>
       <p:ext uri="{BB962C8B-B14F-4D97-AF65-F5344CB8AC3E}">
@@ -7194,6 +6734,50 @@
           </a:p>
         </p:txBody>
       </p:sp>
+      <p:pic>
+        <p:nvPicPr>
+          <p:cNvPr id="3" name="Picture 2">
+            <a:extLst>
+              <a:ext uri="{FF2B5EF4-FFF2-40B4-BE49-F238E27FC236}">
+                <a16:creationId xmlns:a16="http://schemas.microsoft.com/office/drawing/2014/main" id="{719B8032-0294-4A70-899A-8A66CE83AA24}"/>
+              </a:ext>
+            </a:extLst>
+          </p:cNvPr>
+          <p:cNvPicPr>
+            <a:picLocks noChangeAspect="1"/>
+          </p:cNvPicPr>
+          <p:nvPr/>
+        </p:nvPicPr>
+        <p:blipFill>
+          <a:blip r:embed="rId2"/>
+          <a:stretch>
+            <a:fillRect/>
+          </a:stretch>
+        </p:blipFill>
+        <p:spPr>
+          <a:xfrm>
+            <a:off x="6776141" y="620929"/>
+            <a:ext cx="4934639" cy="819264"/>
+          </a:xfrm>
+          <a:prstGeom prst="rect">
+            <a:avLst/>
+          </a:prstGeom>
+        </p:spPr>
+        <p:style>
+          <a:lnRef idx="2">
+            <a:schemeClr val="dk1"/>
+          </a:lnRef>
+          <a:fillRef idx="1">
+            <a:schemeClr val="lt1"/>
+          </a:fillRef>
+          <a:effectRef idx="0">
+            <a:schemeClr val="dk1"/>
+          </a:effectRef>
+          <a:fontRef idx="minor">
+            <a:schemeClr val="dk1"/>
+          </a:fontRef>
+        </p:style>
+      </p:pic>
     </p:spTree>
     <p:extLst>
       <p:ext uri="{BB962C8B-B14F-4D97-AF65-F5344CB8AC3E}">
@@ -7641,30 +7225,62 @@
             </a:pPr>
             <a:r>
               <a:rPr lang="en-US" sz="1600" dirty="0"/>
-              <a:t>            returns += prob * (reward + DISCOUNT * </a:t>
-            </a:r>
-            <a:r>
-              <a:rPr lang="en-US" sz="1600" dirty="0" err="1"/>
+              <a:t>            </a:t>
+            </a:r>
+            <a:r>
+              <a:rPr lang="en-US" sz="1600" dirty="0">
+                <a:highlight>
+                  <a:srgbClr val="FFFF00"/>
+                </a:highlight>
+              </a:rPr>
+              <a:t>returns += prob * (reward + DISCOUNT * </a:t>
+            </a:r>
+            <a:r>
+              <a:rPr lang="en-US" sz="1600" dirty="0" err="1">
+                <a:highlight>
+                  <a:srgbClr val="FFFF00"/>
+                </a:highlight>
+              </a:rPr>
               <a:t>state_value</a:t>
             </a:r>
             <a:r>
-              <a:rPr lang="en-US" sz="1600" dirty="0"/>
+              <a:rPr lang="en-US" sz="1600" dirty="0">
+                <a:highlight>
+                  <a:srgbClr val="FFFF00"/>
+                </a:highlight>
+              </a:rPr>
               <a:t>[</a:t>
             </a:r>
             <a:r>
-              <a:rPr lang="en-US" sz="1600" dirty="0" err="1"/>
+              <a:rPr lang="en-US" sz="1600" dirty="0" err="1">
+                <a:highlight>
+                  <a:srgbClr val="FFFF00"/>
+                </a:highlight>
+              </a:rPr>
               <a:t>num_of_cars_first_loc</a:t>
             </a:r>
             <a:r>
-              <a:rPr lang="en-US" sz="1600" dirty="0"/>
+              <a:rPr lang="en-US" sz="1600" dirty="0">
+                <a:highlight>
+                  <a:srgbClr val="FFFF00"/>
+                </a:highlight>
+              </a:rPr>
               <a:t>, </a:t>
             </a:r>
             <a:r>
-              <a:rPr lang="en-US" sz="1600" dirty="0" err="1"/>
+              <a:rPr lang="en-US" sz="1600" dirty="0" err="1">
+                <a:highlight>
+                  <a:srgbClr val="FFFF00"/>
+                </a:highlight>
+              </a:rPr>
               <a:t>num_of_cars_second_loc</a:t>
             </a:r>
             <a:r>
-              <a:rPr lang="en-US" sz="1600" dirty="0"/>
+              <a:rPr lang="en-US" sz="1600" dirty="0">
+                <a:highlight>
+                  <a:srgbClr val="FFFF00"/>
+                </a:highlight>
+              </a:rPr>
               <a:t>])</a:t>
             </a:r>
           </a:p>
@@ -7680,7 +7296,15 @@
             </a:pPr>
             <a:r>
               <a:rPr lang="en-US" sz="1600" dirty="0"/>
-              <a:t>    return returns</a:t>
+              <a:t>    </a:t>
+            </a:r>
+            <a:r>
+              <a:rPr lang="en-US" sz="1600" dirty="0">
+                <a:highlight>
+                  <a:srgbClr val="FFFF00"/>
+                </a:highlight>
+              </a:rPr>
+              <a:t>return returns</a:t>
             </a:r>
           </a:p>
           <a:p>
@@ -7691,6 +7315,98 @@
           </a:p>
         </p:txBody>
       </p:sp>
+      <p:pic>
+        <p:nvPicPr>
+          <p:cNvPr id="4" name="Picture 3">
+            <a:extLst>
+              <a:ext uri="{FF2B5EF4-FFF2-40B4-BE49-F238E27FC236}">
+                <a16:creationId xmlns:a16="http://schemas.microsoft.com/office/drawing/2014/main" id="{88BA66CC-A0EE-43E1-BDCF-BAE24C57754F}"/>
+              </a:ext>
+            </a:extLst>
+          </p:cNvPr>
+          <p:cNvPicPr>
+            <a:picLocks noChangeAspect="1"/>
+          </p:cNvPicPr>
+          <p:nvPr/>
+        </p:nvPicPr>
+        <p:blipFill rotWithShape="1">
+          <a:blip r:embed="rId2"/>
+          <a:srcRect l="23602"/>
+          <a:stretch/>
+        </p:blipFill>
+        <p:spPr>
+          <a:xfrm>
+            <a:off x="7940842" y="620929"/>
+            <a:ext cx="3769938" cy="819264"/>
+          </a:xfrm>
+          <a:prstGeom prst="rect">
+            <a:avLst/>
+          </a:prstGeom>
+        </p:spPr>
+        <p:style>
+          <a:lnRef idx="2">
+            <a:schemeClr val="dk1"/>
+          </a:lnRef>
+          <a:fillRef idx="1">
+            <a:schemeClr val="lt1"/>
+          </a:fillRef>
+          <a:effectRef idx="0">
+            <a:schemeClr val="dk1"/>
+          </a:effectRef>
+          <a:fontRef idx="minor">
+            <a:schemeClr val="dk1"/>
+          </a:fontRef>
+        </p:style>
+      </p:pic>
+      <p:cxnSp>
+        <p:nvCxnSpPr>
+          <p:cNvPr id="6" name="Connector: Elbow 5">
+            <a:extLst>
+              <a:ext uri="{FF2B5EF4-FFF2-40B4-BE49-F238E27FC236}">
+                <a16:creationId xmlns:a16="http://schemas.microsoft.com/office/drawing/2014/main" id="{4F652D9C-23E0-4D31-80E9-FFFC97D6CD22}"/>
+              </a:ext>
+            </a:extLst>
+          </p:cNvPr>
+          <p:cNvCxnSpPr>
+            <a:cxnSpLocks/>
+          </p:cNvCxnSpPr>
+          <p:nvPr/>
+        </p:nvCxnSpPr>
+        <p:spPr>
+          <a:xfrm rot="5400000">
+            <a:off x="8629048" y="3027146"/>
+            <a:ext cx="3859733" cy="827774"/>
+          </a:xfrm>
+          <a:prstGeom prst="bentConnector3">
+            <a:avLst>
+              <a:gd name="adj1" fmla="val 99875"/>
+            </a:avLst>
+          </a:prstGeom>
+          <a:ln w="28575" cap="flat" cmpd="sng" algn="ctr">
+            <a:solidFill>
+              <a:schemeClr val="accent1"/>
+            </a:solidFill>
+            <a:prstDash val="dash"/>
+            <a:round/>
+            <a:headEnd type="none" w="med" len="med"/>
+            <a:tailEnd type="none" w="med" len="med"/>
+          </a:ln>
+        </p:spPr>
+        <p:style>
+          <a:lnRef idx="0">
+            <a:scrgbClr r="0" g="0" b="0"/>
+          </a:lnRef>
+          <a:fillRef idx="0">
+            <a:scrgbClr r="0" g="0" b="0"/>
+          </a:fillRef>
+          <a:effectRef idx="0">
+            <a:scrgbClr r="0" g="0" b="0"/>
+          </a:effectRef>
+          <a:fontRef idx="minor">
+            <a:schemeClr val="tx1"/>
+          </a:fontRef>
+        </p:style>
+      </p:cxnSp>
     </p:spTree>
     <p:extLst>
       <p:ext uri="{BB962C8B-B14F-4D97-AF65-F5344CB8AC3E}">
@@ -7805,7 +7521,15 @@
             </a:pPr>
             <a:r>
               <a:rPr lang="en-US" sz="1800" dirty="0"/>
-              <a:t>            for i in range(MAX_CARS + 1):</a:t>
+              <a:t>            </a:t>
+            </a:r>
+            <a:r>
+              <a:rPr lang="en-US" sz="1800" dirty="0">
+                <a:highlight>
+                  <a:srgbClr val="FFFF00"/>
+                </a:highlight>
+              </a:rPr>
+              <a:t>for i in range(MAX_CARS + 1):</a:t>
             </a:r>
           </a:p>
           <a:p>
@@ -7814,7 +7538,15 @@
             </a:pPr>
             <a:r>
               <a:rPr lang="en-US" sz="1800" dirty="0"/>
-              <a:t>                for j in range(MAX_CARS + 1):</a:t>
+              <a:t>                </a:t>
+            </a:r>
+            <a:r>
+              <a:rPr lang="en-US" sz="1800" dirty="0">
+                <a:highlight>
+                  <a:srgbClr val="FFFF00"/>
+                </a:highlight>
+              </a:rPr>
+              <a:t>for j in range(MAX_CARS + 1):</a:t>
             </a:r>
           </a:p>
           <a:p>
@@ -7823,11 +7555,39 @@
             </a:pPr>
             <a:r>
               <a:rPr lang="en-US" sz="1800" dirty="0"/>
-              <a:t>                    new_value[i, j] = </a:t>
-            </a:r>
-            <a:r>
-              <a:rPr lang="en-US" sz="1800" u="sng" dirty="0"/>
-              <a:t>expected_return([i, j], policy[i, j], new_value, constant_returned_cars)</a:t>
+              <a:t>                    </a:t>
+            </a:r>
+            <a:r>
+              <a:rPr lang="en-US" sz="1800" dirty="0">
+                <a:highlight>
+                  <a:srgbClr val="FFFF00"/>
+                </a:highlight>
+              </a:rPr>
+              <a:t>new_value[i, j] = </a:t>
+            </a:r>
+            <a:r>
+              <a:rPr lang="en-US" sz="1800" b="1" dirty="0">
+                <a:highlight>
+                  <a:srgbClr val="FFFF00"/>
+                </a:highlight>
+              </a:rPr>
+              <a:t>expected_return</a:t>
+            </a:r>
+            <a:r>
+              <a:rPr lang="en-US" sz="1800" dirty="0">
+                <a:highlight>
+                  <a:srgbClr val="FFFF00"/>
+                </a:highlight>
+              </a:rPr>
+              <a:t>([i, j], policy[i, j], new_value, constant_returned_cars</a:t>
+            </a:r>
+            <a:r>
+              <a:rPr lang="en-US" sz="1800" u="sng" dirty="0">
+                <a:highlight>
+                  <a:srgbClr val="FFFF00"/>
+                </a:highlight>
+              </a:rPr>
+              <a:t>)</a:t>
             </a:r>
           </a:p>
           <a:p>
@@ -7877,6 +7637,99 @@
           </a:p>
         </p:txBody>
       </p:sp>
+      <p:cxnSp>
+        <p:nvCxnSpPr>
+          <p:cNvPr id="4" name="Connector: Elbow 3">
+            <a:extLst>
+              <a:ext uri="{FF2B5EF4-FFF2-40B4-BE49-F238E27FC236}">
+                <a16:creationId xmlns:a16="http://schemas.microsoft.com/office/drawing/2014/main" id="{29BFC800-0063-4F36-BBDA-0885D99B67E8}"/>
+              </a:ext>
+            </a:extLst>
+          </p:cNvPr>
+          <p:cNvCxnSpPr>
+            <a:cxnSpLocks/>
+          </p:cNvCxnSpPr>
+          <p:nvPr/>
+        </p:nvCxnSpPr>
+        <p:spPr>
+          <a:xfrm rot="5400000">
+            <a:off x="9512124" y="1987573"/>
+            <a:ext cx="2064706" cy="818149"/>
+          </a:xfrm>
+          <a:prstGeom prst="bentConnector3">
+            <a:avLst>
+              <a:gd name="adj1" fmla="val 100814"/>
+            </a:avLst>
+          </a:prstGeom>
+          <a:ln w="28575" cap="flat" cmpd="sng" algn="ctr">
+            <a:solidFill>
+              <a:schemeClr val="accent1"/>
+            </a:solidFill>
+            <a:prstDash val="dash"/>
+            <a:round/>
+            <a:headEnd type="none" w="med" len="med"/>
+            <a:tailEnd type="none" w="med" len="med"/>
+          </a:ln>
+        </p:spPr>
+        <p:style>
+          <a:lnRef idx="0">
+            <a:scrgbClr r="0" g="0" b="0"/>
+          </a:lnRef>
+          <a:fillRef idx="0">
+            <a:scrgbClr r="0" g="0" b="0"/>
+          </a:fillRef>
+          <a:effectRef idx="0">
+            <a:scrgbClr r="0" g="0" b="0"/>
+          </a:effectRef>
+          <a:fontRef idx="minor">
+            <a:schemeClr val="tx1"/>
+          </a:fontRef>
+        </p:style>
+      </p:cxnSp>
+      <p:pic>
+        <p:nvPicPr>
+          <p:cNvPr id="5" name="Picture 4">
+            <a:extLst>
+              <a:ext uri="{FF2B5EF4-FFF2-40B4-BE49-F238E27FC236}">
+                <a16:creationId xmlns:a16="http://schemas.microsoft.com/office/drawing/2014/main" id="{9AF5E97D-BB67-49CF-801C-71FB4BEE44D9}"/>
+              </a:ext>
+            </a:extLst>
+          </p:cNvPr>
+          <p:cNvPicPr>
+            <a:picLocks noChangeAspect="1"/>
+          </p:cNvPicPr>
+          <p:nvPr/>
+        </p:nvPicPr>
+        <p:blipFill>
+          <a:blip r:embed="rId2"/>
+          <a:stretch>
+            <a:fillRect/>
+          </a:stretch>
+        </p:blipFill>
+        <p:spPr>
+          <a:xfrm>
+            <a:off x="7705216" y="905462"/>
+            <a:ext cx="3648584" cy="323895"/>
+          </a:xfrm>
+          <a:prstGeom prst="rect">
+            <a:avLst/>
+          </a:prstGeom>
+        </p:spPr>
+        <p:style>
+          <a:lnRef idx="2">
+            <a:schemeClr val="dk1"/>
+          </a:lnRef>
+          <a:fillRef idx="1">
+            <a:schemeClr val="lt1"/>
+          </a:fillRef>
+          <a:effectRef idx="0">
+            <a:schemeClr val="dk1"/>
+          </a:effectRef>
+          <a:fontRef idx="minor">
+            <a:schemeClr val="dk1"/>
+          </a:fontRef>
+        </p:style>
+      </p:pic>
     </p:spTree>
     <p:extLst>
       <p:ext uri="{BB962C8B-B14F-4D97-AF65-F5344CB8AC3E}">
@@ -8023,15 +7876,31 @@
             </a:pPr>
             <a:r>
               <a:rPr lang="en-US" sz="1800" dirty="0"/>
-              <a:t>                        action_returns.append(</a:t>
-            </a:r>
-            <a:r>
-              <a:rPr lang="en-US" sz="1800" u="sng" dirty="0"/>
-              <a:t>expected_return([i, j], action, value, constant_returned_cars)</a:t>
-            </a:r>
-            <a:r>
-              <a:rPr lang="en-US" sz="1800" dirty="0"/>
-              <a:t>)</a:t>
+              <a:t>                        </a:t>
+            </a:r>
+            <a:r>
+              <a:rPr lang="en-US" sz="1800" dirty="0">
+                <a:highlight>
+                  <a:srgbClr val="FFFF00"/>
+                </a:highlight>
+              </a:rPr>
+              <a:t>action_returns.append(</a:t>
+            </a:r>
+            <a:r>
+              <a:rPr lang="en-US" sz="1800" b="1" dirty="0">
+                <a:highlight>
+                  <a:srgbClr val="FFFF00"/>
+                </a:highlight>
+              </a:rPr>
+              <a:t>expected_return</a:t>
+            </a:r>
+            <a:r>
+              <a:rPr lang="en-US" sz="1800" dirty="0">
+                <a:highlight>
+                  <a:srgbClr val="FFFF00"/>
+                </a:highlight>
+              </a:rPr>
+              <a:t>([i, j], action, value, constant_returned_cars))</a:t>
             </a:r>
           </a:p>
           <a:p>
@@ -8058,19 +7927,175 @@
             </a:pPr>
             <a:r>
               <a:rPr lang="en-US" sz="1800" dirty="0"/>
-              <a:t>                new_policy[i, j] = actions[</a:t>
-            </a:r>
-            <a:r>
-              <a:rPr lang="en-US" sz="1800" dirty="0" err="1"/>
+              <a:t>                </a:t>
+            </a:r>
+            <a:r>
+              <a:rPr lang="en-US" sz="1800" dirty="0">
+                <a:highlight>
+                  <a:srgbClr val="FFFF00"/>
+                </a:highlight>
+              </a:rPr>
+              <a:t>new_policy[i, j] = actions[</a:t>
+            </a:r>
+            <a:r>
+              <a:rPr lang="en-US" sz="1800" dirty="0" err="1">
+                <a:highlight>
+                  <a:srgbClr val="FFFF00"/>
+                </a:highlight>
+              </a:rPr>
               <a:t>np.argmax</a:t>
             </a:r>
             <a:r>
-              <a:rPr lang="en-US" sz="1800" dirty="0"/>
+              <a:rPr lang="en-US" sz="1800" dirty="0">
+                <a:highlight>
+                  <a:srgbClr val="FFFF00"/>
+                </a:highlight>
+              </a:rPr>
               <a:t>(action_returns)</a:t>
             </a:r>
           </a:p>
         </p:txBody>
       </p:sp>
+      <p:pic>
+        <p:nvPicPr>
+          <p:cNvPr id="4" name="Picture 3">
+            <a:extLst>
+              <a:ext uri="{FF2B5EF4-FFF2-40B4-BE49-F238E27FC236}">
+                <a16:creationId xmlns:a16="http://schemas.microsoft.com/office/drawing/2014/main" id="{8E01AA6B-416A-4F10-B4F2-310DFD228BB1}"/>
+              </a:ext>
+            </a:extLst>
+          </p:cNvPr>
+          <p:cNvPicPr>
+            <a:picLocks noChangeAspect="1"/>
+          </p:cNvPicPr>
+          <p:nvPr/>
+        </p:nvPicPr>
+        <p:blipFill>
+          <a:blip r:embed="rId2"/>
+          <a:stretch>
+            <a:fillRect/>
+          </a:stretch>
+        </p:blipFill>
+        <p:spPr>
+          <a:xfrm>
+            <a:off x="9684908" y="800670"/>
+            <a:ext cx="1600423" cy="428685"/>
+          </a:xfrm>
+          <a:prstGeom prst="rect">
+            <a:avLst/>
+          </a:prstGeom>
+        </p:spPr>
+        <p:style>
+          <a:lnRef idx="2">
+            <a:schemeClr val="dk1"/>
+          </a:lnRef>
+          <a:fillRef idx="1">
+            <a:schemeClr val="lt1"/>
+          </a:fillRef>
+          <a:effectRef idx="0">
+            <a:schemeClr val="dk1"/>
+          </a:effectRef>
+          <a:fontRef idx="minor">
+            <a:schemeClr val="dk1"/>
+          </a:fontRef>
+        </p:style>
+      </p:pic>
+      <p:cxnSp>
+        <p:nvCxnSpPr>
+          <p:cNvPr id="5" name="Connector: Elbow 4">
+            <a:extLst>
+              <a:ext uri="{FF2B5EF4-FFF2-40B4-BE49-F238E27FC236}">
+                <a16:creationId xmlns:a16="http://schemas.microsoft.com/office/drawing/2014/main" id="{F6A8A89C-9E32-459E-B155-C3AD974F2B39}"/>
+              </a:ext>
+            </a:extLst>
+          </p:cNvPr>
+          <p:cNvCxnSpPr>
+            <a:cxnSpLocks/>
+          </p:cNvCxnSpPr>
+          <p:nvPr/>
+        </p:nvCxnSpPr>
+        <p:spPr>
+          <a:xfrm rot="10800000" flipV="1">
+            <a:off x="6833937" y="1364294"/>
+            <a:ext cx="4119614" cy="3939226"/>
+          </a:xfrm>
+          <a:prstGeom prst="bentConnector3">
+            <a:avLst>
+              <a:gd name="adj1" fmla="val -467"/>
+            </a:avLst>
+          </a:prstGeom>
+          <a:ln w="28575" cap="flat" cmpd="sng" algn="ctr">
+            <a:solidFill>
+              <a:schemeClr val="accent1"/>
+            </a:solidFill>
+            <a:prstDash val="dash"/>
+            <a:round/>
+            <a:headEnd type="none" w="med" len="med"/>
+            <a:tailEnd type="none" w="med" len="med"/>
+          </a:ln>
+        </p:spPr>
+        <p:style>
+          <a:lnRef idx="0">
+            <a:scrgbClr r="0" g="0" b="0"/>
+          </a:lnRef>
+          <a:fillRef idx="0">
+            <a:scrgbClr r="0" g="0" b="0"/>
+          </a:fillRef>
+          <a:effectRef idx="0">
+            <a:scrgbClr r="0" g="0" b="0"/>
+          </a:effectRef>
+          <a:fontRef idx="minor">
+            <a:schemeClr val="tx1"/>
+          </a:fontRef>
+        </p:style>
+      </p:cxnSp>
+      <p:cxnSp>
+        <p:nvCxnSpPr>
+          <p:cNvPr id="10" name="Straight Connector 9">
+            <a:extLst>
+              <a:ext uri="{FF2B5EF4-FFF2-40B4-BE49-F238E27FC236}">
+                <a16:creationId xmlns:a16="http://schemas.microsoft.com/office/drawing/2014/main" id="{988383F9-F027-4079-8C99-AC9E6B04D690}"/>
+              </a:ext>
+            </a:extLst>
+          </p:cNvPr>
+          <p:cNvCxnSpPr>
+            <a:cxnSpLocks/>
+          </p:cNvCxnSpPr>
+          <p:nvPr/>
+        </p:nvCxnSpPr>
+        <p:spPr>
+          <a:xfrm>
+            <a:off x="10241280" y="4186989"/>
+            <a:ext cx="712271" cy="0"/>
+          </a:xfrm>
+          <a:prstGeom prst="line">
+            <a:avLst/>
+          </a:prstGeom>
+          <a:ln w="28575" cap="flat" cmpd="sng" algn="ctr">
+            <a:solidFill>
+              <a:schemeClr val="accent1"/>
+            </a:solidFill>
+            <a:prstDash val="dash"/>
+            <a:round/>
+            <a:headEnd type="none" w="med" len="med"/>
+            <a:tailEnd type="none" w="med" len="med"/>
+          </a:ln>
+        </p:spPr>
+        <p:style>
+          <a:lnRef idx="0">
+            <a:scrgbClr r="0" g="0" b="0"/>
+          </a:lnRef>
+          <a:fillRef idx="0">
+            <a:scrgbClr r="0" g="0" b="0"/>
+          </a:fillRef>
+          <a:effectRef idx="0">
+            <a:scrgbClr r="0" g="0" b="0"/>
+          </a:effectRef>
+          <a:fontRef idx="minor">
+            <a:schemeClr val="tx1"/>
+          </a:fontRef>
+        </p:style>
+      </p:cxnSp>
     </p:spTree>
     <p:extLst>
       <p:ext uri="{BB962C8B-B14F-4D97-AF65-F5344CB8AC3E}">
@@ -8124,7 +8149,7 @@
           <a:p>
             <a:r>
               <a:rPr lang="en-US" dirty="0"/>
-              <a:t>6. Value/Policy Changes (1/2)</a:t>
+              <a:t>6. Value/Policy Changes</a:t>
             </a:r>
           </a:p>
         </p:txBody>
@@ -8147,8 +8172,8 @@
         </p:nvSpPr>
         <p:spPr>
           <a:xfrm>
-            <a:off x="1003369" y="1825624"/>
-            <a:ext cx="2230943" cy="4424445"/>
+            <a:off x="502856" y="2225936"/>
+            <a:ext cx="1647807" cy="3718514"/>
           </a:xfrm>
           <a:ln>
             <a:solidFill>
@@ -8166,7 +8191,7 @@
               <a:buNone/>
             </a:pPr>
             <a:r>
-              <a:rPr lang="en-US" sz="1400" dirty="0"/>
+              <a:rPr lang="en-US" sz="1000" dirty="0"/>
               <a:t>value change 45727.511447</a:t>
             </a:r>
           </a:p>
@@ -8175,7 +8200,7 @@
               <a:buNone/>
             </a:pPr>
             <a:r>
-              <a:rPr lang="en-US" sz="1400" dirty="0"/>
+              <a:rPr lang="en-US" sz="1000" dirty="0"/>
               <a:t>value change 37274.506706</a:t>
             </a:r>
           </a:p>
@@ -8184,7 +8209,7 @@
               <a:buNone/>
             </a:pPr>
             <a:r>
-              <a:rPr lang="en-US" sz="1400" dirty="0"/>
+              <a:rPr lang="en-US" sz="1000" dirty="0"/>
               <a:t>value change 28991.916653</a:t>
             </a:r>
           </a:p>
@@ -8193,7 +8218,7 @@
               <a:buNone/>
             </a:pPr>
             <a:r>
-              <a:rPr lang="en-US" sz="1400" dirty="0"/>
+              <a:rPr lang="en-US" sz="1000" dirty="0"/>
               <a:t>value change 22532.424045</a:t>
             </a:r>
           </a:p>
@@ -8202,7 +8227,7 @@
               <a:buNone/>
             </a:pPr>
             <a:r>
-              <a:rPr lang="en-US" sz="1400" dirty="0"/>
+              <a:rPr lang="en-US" sz="1000" dirty="0"/>
               <a:t>value change 17731.181203</a:t>
             </a:r>
           </a:p>
@@ -8211,7 +8236,7 @@
               <a:buNone/>
             </a:pPr>
             <a:r>
-              <a:rPr lang="en-US" sz="1400" dirty="0"/>
+              <a:rPr lang="en-US" sz="1000" dirty="0"/>
               <a:t>.</a:t>
             </a:r>
           </a:p>
@@ -8220,7 +8245,7 @@
               <a:buNone/>
             </a:pPr>
             <a:r>
-              <a:rPr lang="en-US" sz="1400" dirty="0"/>
+              <a:rPr lang="en-US" sz="1000" dirty="0"/>
               <a:t>.</a:t>
             </a:r>
           </a:p>
@@ -8229,7 +8254,7 @@
               <a:buNone/>
             </a:pPr>
             <a:r>
-              <a:rPr lang="en-US" sz="1400" dirty="0"/>
+              <a:rPr lang="en-US" sz="1000" dirty="0"/>
               <a:t>value change 0.000233</a:t>
             </a:r>
           </a:p>
@@ -8238,7 +8263,7 @@
               <a:buNone/>
             </a:pPr>
             <a:r>
-              <a:rPr lang="en-US" sz="1400" dirty="0"/>
+              <a:rPr lang="en-US" sz="1000" dirty="0"/>
               <a:t>value change 0.000190</a:t>
             </a:r>
           </a:p>
@@ -8247,7 +8272,7 @@
               <a:buNone/>
             </a:pPr>
             <a:r>
-              <a:rPr lang="en-US" sz="1400" dirty="0"/>
+              <a:rPr lang="en-US" sz="1000" dirty="0"/>
               <a:t>value change 0.000155</a:t>
             </a:r>
           </a:p>
@@ -8256,7 +8281,7 @@
               <a:buNone/>
             </a:pPr>
             <a:r>
-              <a:rPr lang="en-US" sz="1400" dirty="0"/>
+              <a:rPr lang="en-US" sz="1000" dirty="0"/>
               <a:t>value change 0.000126</a:t>
             </a:r>
           </a:p>
@@ -8265,7 +8290,7 @@
               <a:buNone/>
             </a:pPr>
             <a:r>
-              <a:rPr lang="en-US" sz="1400" dirty="0"/>
+              <a:rPr lang="en-US" sz="1000" dirty="0"/>
               <a:t>value change 0.000103</a:t>
             </a:r>
           </a:p>
@@ -8274,7 +8299,7 @@
               <a:buNone/>
             </a:pPr>
             <a:r>
-              <a:rPr lang="en-US" sz="1400" dirty="0"/>
+              <a:rPr lang="en-US" sz="1000" dirty="0"/>
               <a:t>value change 0.000084</a:t>
             </a:r>
           </a:p>
@@ -8283,7 +8308,7 @@
               <a:buNone/>
             </a:pPr>
             <a:r>
-              <a:rPr lang="en-US" sz="1400" dirty="0">
+              <a:rPr lang="en-US" sz="1000" dirty="0">
                 <a:highlight>
                   <a:srgbClr val="FFFF00"/>
                 </a:highlight>
@@ -8311,8 +8336,8 @@
         </p:nvSpPr>
         <p:spPr>
           <a:xfrm>
-            <a:off x="5738864" y="1825624"/>
-            <a:ext cx="2360526" cy="4424439"/>
+            <a:off x="3427015" y="2225936"/>
+            <a:ext cx="1683178" cy="3718521"/>
           </a:xfrm>
           <a:ln>
             <a:solidFill>
@@ -8330,7 +8355,7 @@
               <a:buNone/>
             </a:pPr>
             <a:r>
-              <a:rPr lang="en-US" sz="1400" dirty="0"/>
+              <a:rPr lang="en-US" sz="1000" dirty="0"/>
               <a:t>value change 4644.832146</a:t>
             </a:r>
           </a:p>
@@ -8339,7 +8364,7 @@
               <a:buNone/>
             </a:pPr>
             <a:r>
-              <a:rPr lang="en-US" sz="1400" dirty="0"/>
+              <a:rPr lang="en-US" sz="1000" dirty="0"/>
               <a:t>value change 801.144919</a:t>
             </a:r>
           </a:p>
@@ -8348,7 +8373,7 @@
               <a:buNone/>
             </a:pPr>
             <a:r>
-              <a:rPr lang="en-US" sz="1400" dirty="0"/>
+              <a:rPr lang="en-US" sz="1000" dirty="0"/>
               <a:t>value change 629.078073</a:t>
             </a:r>
           </a:p>
@@ -8357,7 +8382,7 @@
               <a:buNone/>
             </a:pPr>
             <a:r>
-              <a:rPr lang="en-US" sz="1400" dirty="0"/>
+              <a:rPr lang="en-US" sz="1000" dirty="0"/>
               <a:t>value change 534.482508</a:t>
             </a:r>
           </a:p>
@@ -8366,7 +8391,7 @@
               <a:buNone/>
             </a:pPr>
             <a:r>
-              <a:rPr lang="en-US" sz="1400" dirty="0"/>
+              <a:rPr lang="en-US" sz="1000" dirty="0"/>
               <a:t>value change 437.193226</a:t>
             </a:r>
           </a:p>
@@ -8375,7 +8400,7 @@
               <a:buNone/>
             </a:pPr>
             <a:r>
-              <a:rPr lang="en-US" sz="1400" dirty="0"/>
+              <a:rPr lang="en-US" sz="1000" dirty="0"/>
               <a:t>.</a:t>
             </a:r>
           </a:p>
@@ -8384,7 +8409,7 @@
               <a:buNone/>
             </a:pPr>
             <a:r>
-              <a:rPr lang="en-US" sz="1400" dirty="0"/>
+              <a:rPr lang="en-US" sz="1000" dirty="0"/>
               <a:t>.</a:t>
             </a:r>
           </a:p>
@@ -8393,7 +8418,7 @@
               <a:buNone/>
             </a:pPr>
             <a:r>
-              <a:rPr lang="en-US" sz="1400" dirty="0"/>
+              <a:rPr lang="en-US" sz="1000" dirty="0"/>
               <a:t>value change 0.000272</a:t>
             </a:r>
           </a:p>
@@ -8402,7 +8427,7 @@
               <a:buNone/>
             </a:pPr>
             <a:r>
-              <a:rPr lang="en-US" sz="1400" dirty="0"/>
+              <a:rPr lang="en-US" sz="1000" dirty="0"/>
               <a:t>value change 0.000221</a:t>
             </a:r>
           </a:p>
@@ -8411,7 +8436,7 @@
               <a:buNone/>
             </a:pPr>
             <a:r>
-              <a:rPr lang="en-US" sz="1400" dirty="0"/>
+              <a:rPr lang="en-US" sz="1000" dirty="0"/>
               <a:t>value change 0.000180</a:t>
             </a:r>
           </a:p>
@@ -8420,7 +8445,7 @@
               <a:buNone/>
             </a:pPr>
             <a:r>
-              <a:rPr lang="en-US" sz="1400" dirty="0"/>
+              <a:rPr lang="en-US" sz="1000" dirty="0"/>
               <a:t>value change 0.000146</a:t>
             </a:r>
           </a:p>
@@ -8429,7 +8454,7 @@
               <a:buNone/>
             </a:pPr>
             <a:r>
-              <a:rPr lang="en-US" sz="1400" dirty="0"/>
+              <a:rPr lang="en-US" sz="1000" dirty="0"/>
               <a:t>value change 0.000119</a:t>
             </a:r>
           </a:p>
@@ -8438,7 +8463,7 @@
               <a:buNone/>
             </a:pPr>
             <a:r>
-              <a:rPr lang="en-US" sz="1400" dirty="0"/>
+              <a:rPr lang="en-US" sz="1000" dirty="0"/>
               <a:t>value change 0.000097</a:t>
             </a:r>
           </a:p>
@@ -8447,7 +8472,7 @@
               <a:buNone/>
             </a:pPr>
             <a:r>
-              <a:rPr lang="en-US" sz="1400" dirty="0">
+              <a:rPr lang="en-US" sz="1000" dirty="0">
                 <a:highlight>
                   <a:srgbClr val="FFFF00"/>
                 </a:highlight>
@@ -8466,13 +8491,15 @@
               </a:ext>
             </a:extLst>
           </p:cNvPr>
-          <p:cNvCxnSpPr/>
+          <p:cNvCxnSpPr>
+            <a:cxnSpLocks/>
+          </p:cNvCxnSpPr>
           <p:nvPr/>
         </p:nvCxnSpPr>
         <p:spPr>
           <a:xfrm>
-            <a:off x="3667648" y="3838470"/>
-            <a:ext cx="1637881" cy="0"/>
+            <a:off x="2281609" y="4036651"/>
+            <a:ext cx="788849" cy="0"/>
           </a:xfrm>
           <a:prstGeom prst="straightConnector1">
             <a:avLst/>
@@ -8505,13 +8532,15 @@
               </a:ext>
             </a:extLst>
           </p:cNvPr>
-          <p:cNvCxnSpPr/>
+          <p:cNvCxnSpPr>
+            <a:cxnSpLocks/>
+          </p:cNvCxnSpPr>
           <p:nvPr/>
         </p:nvCxnSpPr>
         <p:spPr>
           <a:xfrm>
-            <a:off x="8532726" y="3838470"/>
-            <a:ext cx="1637881" cy="0"/>
+            <a:off x="5404516" y="4036651"/>
+            <a:ext cx="746027" cy="0"/>
           </a:xfrm>
           <a:prstGeom prst="straightConnector1">
             <a:avLst/>
@@ -8549,7 +8578,1006 @@
         </p:nvSpPr>
         <p:spPr>
           <a:xfrm>
-            <a:off x="10440238" y="3576860"/>
+            <a:off x="8502138" y="3650870"/>
+            <a:ext cx="704039" cy="523220"/>
+          </a:xfrm>
+          <a:prstGeom prst="rect">
+            <a:avLst/>
+          </a:prstGeom>
+          <a:noFill/>
+        </p:spPr>
+        <p:txBody>
+          <a:bodyPr wrap="square" rtlCol="0">
+            <a:spAutoFit/>
+          </a:bodyPr>
+          <a:lstStyle/>
+          <a:p>
+            <a:r>
+              <a:rPr lang="en-US" sz="2800" dirty="0">
+                <a:solidFill>
+                  <a:schemeClr val="accent1"/>
+                </a:solidFill>
+              </a:rPr>
+              <a:t>. . . </a:t>
+            </a:r>
+          </a:p>
+        </p:txBody>
+      </p:sp>
+      <p:sp>
+        <p:nvSpPr>
+          <p:cNvPr id="11" name="Content Placeholder 3">
+            <a:extLst>
+              <a:ext uri="{FF2B5EF4-FFF2-40B4-BE49-F238E27FC236}">
+                <a16:creationId xmlns:a16="http://schemas.microsoft.com/office/drawing/2014/main" id="{64811DC0-35B5-455A-A9D8-732711AE7C2E}"/>
+              </a:ext>
+            </a:extLst>
+          </p:cNvPr>
+          <p:cNvSpPr txBox="1">
+            <a:spLocks/>
+          </p:cNvSpPr>
+          <p:nvPr/>
+        </p:nvSpPr>
+        <p:spPr>
+          <a:xfrm>
+            <a:off x="6884029" y="2225937"/>
+            <a:ext cx="1618109" cy="3718514"/>
+          </a:xfrm>
+          <a:prstGeom prst="rect">
+            <a:avLst/>
+          </a:prstGeom>
+          <a:ln>
+            <a:solidFill>
+              <a:schemeClr val="tx1"/>
+            </a:solidFill>
+          </a:ln>
+        </p:spPr>
+        <p:txBody>
+          <a:bodyPr vert="horz" lIns="91440" tIns="45720" rIns="91440" bIns="45720" rtlCol="0">
+            <a:noAutofit/>
+          </a:bodyPr>
+          <a:lstStyle>
+            <a:lvl1pPr marL="228600" indent="-228600" algn="l" defTabSz="914400" rtl="0" eaLnBrk="1" latinLnBrk="0" hangingPunct="1">
+              <a:lnSpc>
+                <a:spcPct val="90000"/>
+              </a:lnSpc>
+              <a:spcBef>
+                <a:spcPts val="1000"/>
+              </a:spcBef>
+              <a:buFont typeface="Arial" panose="020B0604020202020204" pitchFamily="34" charset="0"/>
+              <a:buChar char="•"/>
+              <a:defRPr sz="2800" kern="1200">
+                <a:solidFill>
+                  <a:schemeClr val="tx1"/>
+                </a:solidFill>
+                <a:latin typeface="+mn-lt"/>
+                <a:ea typeface="+mn-ea"/>
+                <a:cs typeface="+mn-cs"/>
+              </a:defRPr>
+            </a:lvl1pPr>
+            <a:lvl2pPr marL="685800" indent="-228600" algn="l" defTabSz="914400" rtl="0" eaLnBrk="1" latinLnBrk="0" hangingPunct="1">
+              <a:lnSpc>
+                <a:spcPct val="90000"/>
+              </a:lnSpc>
+              <a:spcBef>
+                <a:spcPts val="500"/>
+              </a:spcBef>
+              <a:buFont typeface="Arial" panose="020B0604020202020204" pitchFamily="34" charset="0"/>
+              <a:buChar char="•"/>
+              <a:defRPr sz="2400" kern="1200">
+                <a:solidFill>
+                  <a:schemeClr val="tx1"/>
+                </a:solidFill>
+                <a:latin typeface="+mn-lt"/>
+                <a:ea typeface="+mn-ea"/>
+                <a:cs typeface="+mn-cs"/>
+              </a:defRPr>
+            </a:lvl2pPr>
+            <a:lvl3pPr marL="1143000" indent="-228600" algn="l" defTabSz="914400" rtl="0" eaLnBrk="1" latinLnBrk="0" hangingPunct="1">
+              <a:lnSpc>
+                <a:spcPct val="90000"/>
+              </a:lnSpc>
+              <a:spcBef>
+                <a:spcPts val="500"/>
+              </a:spcBef>
+              <a:buFont typeface="Arial" panose="020B0604020202020204" pitchFamily="34" charset="0"/>
+              <a:buChar char="•"/>
+              <a:defRPr sz="2000" kern="1200">
+                <a:solidFill>
+                  <a:schemeClr val="tx1"/>
+                </a:solidFill>
+                <a:latin typeface="+mn-lt"/>
+                <a:ea typeface="+mn-ea"/>
+                <a:cs typeface="+mn-cs"/>
+              </a:defRPr>
+            </a:lvl3pPr>
+            <a:lvl4pPr marL="1600200" indent="-228600" algn="l" defTabSz="914400" rtl="0" eaLnBrk="1" latinLnBrk="0" hangingPunct="1">
+              <a:lnSpc>
+                <a:spcPct val="90000"/>
+              </a:lnSpc>
+              <a:spcBef>
+                <a:spcPts val="500"/>
+              </a:spcBef>
+              <a:buFont typeface="Arial" panose="020B0604020202020204" pitchFamily="34" charset="0"/>
+              <a:buChar char="•"/>
+              <a:defRPr sz="1800" kern="1200">
+                <a:solidFill>
+                  <a:schemeClr val="tx1"/>
+                </a:solidFill>
+                <a:latin typeface="+mn-lt"/>
+                <a:ea typeface="+mn-ea"/>
+                <a:cs typeface="+mn-cs"/>
+              </a:defRPr>
+            </a:lvl4pPr>
+            <a:lvl5pPr marL="2057400" indent="-228600" algn="l" defTabSz="914400" rtl="0" eaLnBrk="1" latinLnBrk="0" hangingPunct="1">
+              <a:lnSpc>
+                <a:spcPct val="90000"/>
+              </a:lnSpc>
+              <a:spcBef>
+                <a:spcPts val="500"/>
+              </a:spcBef>
+              <a:buFont typeface="Arial" panose="020B0604020202020204" pitchFamily="34" charset="0"/>
+              <a:buChar char="•"/>
+              <a:defRPr sz="1800" kern="1200">
+                <a:solidFill>
+                  <a:schemeClr val="tx1"/>
+                </a:solidFill>
+                <a:latin typeface="+mn-lt"/>
+                <a:ea typeface="+mn-ea"/>
+                <a:cs typeface="+mn-cs"/>
+              </a:defRPr>
+            </a:lvl5pPr>
+            <a:lvl6pPr marL="2514600" indent="-228600" algn="l" defTabSz="914400" rtl="0" eaLnBrk="1" latinLnBrk="0" hangingPunct="1">
+              <a:lnSpc>
+                <a:spcPct val="90000"/>
+              </a:lnSpc>
+              <a:spcBef>
+                <a:spcPts val="500"/>
+              </a:spcBef>
+              <a:buFont typeface="Arial" panose="020B0604020202020204" pitchFamily="34" charset="0"/>
+              <a:buChar char="•"/>
+              <a:defRPr sz="1800" kern="1200">
+                <a:solidFill>
+                  <a:schemeClr val="tx1"/>
+                </a:solidFill>
+                <a:latin typeface="+mn-lt"/>
+                <a:ea typeface="+mn-ea"/>
+                <a:cs typeface="+mn-cs"/>
+              </a:defRPr>
+            </a:lvl6pPr>
+            <a:lvl7pPr marL="2971800" indent="-228600" algn="l" defTabSz="914400" rtl="0" eaLnBrk="1" latinLnBrk="0" hangingPunct="1">
+              <a:lnSpc>
+                <a:spcPct val="90000"/>
+              </a:lnSpc>
+              <a:spcBef>
+                <a:spcPts val="500"/>
+              </a:spcBef>
+              <a:buFont typeface="Arial" panose="020B0604020202020204" pitchFamily="34" charset="0"/>
+              <a:buChar char="•"/>
+              <a:defRPr sz="1800" kern="1200">
+                <a:solidFill>
+                  <a:schemeClr val="tx1"/>
+                </a:solidFill>
+                <a:latin typeface="+mn-lt"/>
+                <a:ea typeface="+mn-ea"/>
+                <a:cs typeface="+mn-cs"/>
+              </a:defRPr>
+            </a:lvl7pPr>
+            <a:lvl8pPr marL="3429000" indent="-228600" algn="l" defTabSz="914400" rtl="0" eaLnBrk="1" latinLnBrk="0" hangingPunct="1">
+              <a:lnSpc>
+                <a:spcPct val="90000"/>
+              </a:lnSpc>
+              <a:spcBef>
+                <a:spcPts val="500"/>
+              </a:spcBef>
+              <a:buFont typeface="Arial" panose="020B0604020202020204" pitchFamily="34" charset="0"/>
+              <a:buChar char="•"/>
+              <a:defRPr sz="1800" kern="1200">
+                <a:solidFill>
+                  <a:schemeClr val="tx1"/>
+                </a:solidFill>
+                <a:latin typeface="+mn-lt"/>
+                <a:ea typeface="+mn-ea"/>
+                <a:cs typeface="+mn-cs"/>
+              </a:defRPr>
+            </a:lvl8pPr>
+            <a:lvl9pPr marL="3886200" indent="-228600" algn="l" defTabSz="914400" rtl="0" eaLnBrk="1" latinLnBrk="0" hangingPunct="1">
+              <a:lnSpc>
+                <a:spcPct val="90000"/>
+              </a:lnSpc>
+              <a:spcBef>
+                <a:spcPts val="500"/>
+              </a:spcBef>
+              <a:buFont typeface="Arial" panose="020B0604020202020204" pitchFamily="34" charset="0"/>
+              <a:buChar char="•"/>
+              <a:defRPr sz="1800" kern="1200">
+                <a:solidFill>
+                  <a:schemeClr val="tx1"/>
+                </a:solidFill>
+                <a:latin typeface="+mn-lt"/>
+                <a:ea typeface="+mn-ea"/>
+                <a:cs typeface="+mn-cs"/>
+              </a:defRPr>
+            </a:lvl9pPr>
+          </a:lstStyle>
+          <a:p>
+            <a:pPr marL="0" indent="0">
+              <a:buFont typeface="Arial" panose="020B0604020202020204" pitchFamily="34" charset="0"/>
+              <a:buNone/>
+            </a:pPr>
+            <a:r>
+              <a:rPr lang="en-US" sz="1000" dirty="0"/>
+              <a:t>value change 17.749357</a:t>
+            </a:r>
+          </a:p>
+          <a:p>
+            <a:pPr marL="0" indent="0">
+              <a:buFont typeface="Arial" panose="020B0604020202020204" pitchFamily="34" charset="0"/>
+              <a:buNone/>
+            </a:pPr>
+            <a:r>
+              <a:rPr lang="en-US" sz="1000" dirty="0"/>
+              <a:t>value change 13.007169</a:t>
+            </a:r>
+          </a:p>
+          <a:p>
+            <a:pPr marL="0" indent="0">
+              <a:buFont typeface="Arial" panose="020B0604020202020204" pitchFamily="34" charset="0"/>
+              <a:buNone/>
+            </a:pPr>
+            <a:r>
+              <a:rPr lang="en-US" sz="1000" dirty="0"/>
+              <a:t>value change 10.449136</a:t>
+            </a:r>
+          </a:p>
+          <a:p>
+            <a:pPr marL="0" indent="0">
+              <a:buFont typeface="Arial" panose="020B0604020202020204" pitchFamily="34" charset="0"/>
+              <a:buNone/>
+            </a:pPr>
+            <a:r>
+              <a:rPr lang="en-US" sz="1000" dirty="0"/>
+              <a:t>value change 8.010925</a:t>
+            </a:r>
+          </a:p>
+          <a:p>
+            <a:pPr marL="0" indent="0">
+              <a:buFont typeface="Arial" panose="020B0604020202020204" pitchFamily="34" charset="0"/>
+              <a:buNone/>
+            </a:pPr>
+            <a:r>
+              <a:rPr lang="en-US" sz="1000" dirty="0"/>
+              <a:t>value change 5.874832</a:t>
+            </a:r>
+          </a:p>
+          <a:p>
+            <a:pPr marL="0" indent="0">
+              <a:buFont typeface="Arial" panose="020B0604020202020204" pitchFamily="34" charset="0"/>
+              <a:buNone/>
+            </a:pPr>
+            <a:r>
+              <a:rPr lang="en-US" sz="1000" dirty="0"/>
+              <a:t>.</a:t>
+            </a:r>
+          </a:p>
+          <a:p>
+            <a:pPr marL="0" indent="0">
+              <a:buFont typeface="Arial" panose="020B0604020202020204" pitchFamily="34" charset="0"/>
+              <a:buNone/>
+            </a:pPr>
+            <a:r>
+              <a:rPr lang="en-US" sz="1000" dirty="0"/>
+              <a:t>.</a:t>
+            </a:r>
+          </a:p>
+          <a:p>
+            <a:pPr marL="0" indent="0">
+              <a:buFont typeface="Arial" panose="020B0604020202020204" pitchFamily="34" charset="0"/>
+              <a:buNone/>
+            </a:pPr>
+            <a:r>
+              <a:rPr lang="en-US" sz="1000" dirty="0"/>
+              <a:t>value change 0.000264</a:t>
+            </a:r>
+          </a:p>
+          <a:p>
+            <a:pPr marL="0" indent="0">
+              <a:buFont typeface="Arial" panose="020B0604020202020204" pitchFamily="34" charset="0"/>
+              <a:buNone/>
+            </a:pPr>
+            <a:r>
+              <a:rPr lang="en-US" sz="1000" dirty="0"/>
+              <a:t>value change 0.000215</a:t>
+            </a:r>
+          </a:p>
+          <a:p>
+            <a:pPr marL="0" indent="0">
+              <a:buFont typeface="Arial" panose="020B0604020202020204" pitchFamily="34" charset="0"/>
+              <a:buNone/>
+            </a:pPr>
+            <a:r>
+              <a:rPr lang="en-US" sz="1000" dirty="0"/>
+              <a:t>value change 0.000175</a:t>
+            </a:r>
+          </a:p>
+          <a:p>
+            <a:pPr marL="0" indent="0">
+              <a:buFont typeface="Arial" panose="020B0604020202020204" pitchFamily="34" charset="0"/>
+              <a:buNone/>
+            </a:pPr>
+            <a:r>
+              <a:rPr lang="en-US" sz="1000" dirty="0"/>
+              <a:t>value change 0.000142</a:t>
+            </a:r>
+          </a:p>
+          <a:p>
+            <a:pPr marL="0" indent="0">
+              <a:buFont typeface="Arial" panose="020B0604020202020204" pitchFamily="34" charset="0"/>
+              <a:buNone/>
+            </a:pPr>
+            <a:r>
+              <a:rPr lang="en-US" sz="1000" dirty="0"/>
+              <a:t>value change 0.000116</a:t>
+            </a:r>
+          </a:p>
+          <a:p>
+            <a:pPr marL="0" indent="0">
+              <a:buFont typeface="Arial" panose="020B0604020202020204" pitchFamily="34" charset="0"/>
+              <a:buNone/>
+            </a:pPr>
+            <a:r>
+              <a:rPr lang="en-US" sz="1000" dirty="0"/>
+              <a:t>value change 0.000094</a:t>
+            </a:r>
+          </a:p>
+          <a:p>
+            <a:pPr marL="0" indent="0">
+              <a:buFont typeface="Arial" panose="020B0604020202020204" pitchFamily="34" charset="0"/>
+              <a:buNone/>
+            </a:pPr>
+            <a:r>
+              <a:rPr lang="en-US" sz="1000" dirty="0">
+                <a:highlight>
+                  <a:srgbClr val="FFFF00"/>
+                </a:highlight>
+              </a:rPr>
+              <a:t>policy changed in 10 states</a:t>
+            </a:r>
+          </a:p>
+        </p:txBody>
+      </p:sp>
+      <p:sp>
+        <p:nvSpPr>
+          <p:cNvPr id="12" name="Content Placeholder 4">
+            <a:extLst>
+              <a:ext uri="{FF2B5EF4-FFF2-40B4-BE49-F238E27FC236}">
+                <a16:creationId xmlns:a16="http://schemas.microsoft.com/office/drawing/2014/main" id="{45E343CB-75F9-4F42-9BAF-ADF2535E05BD}"/>
+              </a:ext>
+            </a:extLst>
+          </p:cNvPr>
+          <p:cNvSpPr txBox="1">
+            <a:spLocks/>
+          </p:cNvSpPr>
+          <p:nvPr/>
+        </p:nvSpPr>
+        <p:spPr>
+          <a:xfrm>
+            <a:off x="10066323" y="2148943"/>
+            <a:ext cx="1573925" cy="3795507"/>
+          </a:xfrm>
+          <a:prstGeom prst="rect">
+            <a:avLst/>
+          </a:prstGeom>
+          <a:ln>
+            <a:solidFill>
+              <a:schemeClr val="tx1"/>
+            </a:solidFill>
+          </a:ln>
+        </p:spPr>
+        <p:txBody>
+          <a:bodyPr vert="horz" lIns="91440" tIns="45720" rIns="91440" bIns="45720" rtlCol="0">
+            <a:noAutofit/>
+          </a:bodyPr>
+          <a:lstStyle>
+            <a:lvl1pPr marL="228600" indent="-228600" algn="l" defTabSz="914400" rtl="0" eaLnBrk="1" latinLnBrk="0" hangingPunct="1">
+              <a:lnSpc>
+                <a:spcPct val="90000"/>
+              </a:lnSpc>
+              <a:spcBef>
+                <a:spcPts val="1000"/>
+              </a:spcBef>
+              <a:buFont typeface="Arial" panose="020B0604020202020204" pitchFamily="34" charset="0"/>
+              <a:buChar char="•"/>
+              <a:defRPr sz="2800" kern="1200">
+                <a:solidFill>
+                  <a:schemeClr val="tx1"/>
+                </a:solidFill>
+                <a:latin typeface="+mn-lt"/>
+                <a:ea typeface="+mn-ea"/>
+                <a:cs typeface="+mn-cs"/>
+              </a:defRPr>
+            </a:lvl1pPr>
+            <a:lvl2pPr marL="685800" indent="-228600" algn="l" defTabSz="914400" rtl="0" eaLnBrk="1" latinLnBrk="0" hangingPunct="1">
+              <a:lnSpc>
+                <a:spcPct val="90000"/>
+              </a:lnSpc>
+              <a:spcBef>
+                <a:spcPts val="500"/>
+              </a:spcBef>
+              <a:buFont typeface="Arial" panose="020B0604020202020204" pitchFamily="34" charset="0"/>
+              <a:buChar char="•"/>
+              <a:defRPr sz="2400" kern="1200">
+                <a:solidFill>
+                  <a:schemeClr val="tx1"/>
+                </a:solidFill>
+                <a:latin typeface="+mn-lt"/>
+                <a:ea typeface="+mn-ea"/>
+                <a:cs typeface="+mn-cs"/>
+              </a:defRPr>
+            </a:lvl2pPr>
+            <a:lvl3pPr marL="1143000" indent="-228600" algn="l" defTabSz="914400" rtl="0" eaLnBrk="1" latinLnBrk="0" hangingPunct="1">
+              <a:lnSpc>
+                <a:spcPct val="90000"/>
+              </a:lnSpc>
+              <a:spcBef>
+                <a:spcPts val="500"/>
+              </a:spcBef>
+              <a:buFont typeface="Arial" panose="020B0604020202020204" pitchFamily="34" charset="0"/>
+              <a:buChar char="•"/>
+              <a:defRPr sz="2000" kern="1200">
+                <a:solidFill>
+                  <a:schemeClr val="tx1"/>
+                </a:solidFill>
+                <a:latin typeface="+mn-lt"/>
+                <a:ea typeface="+mn-ea"/>
+                <a:cs typeface="+mn-cs"/>
+              </a:defRPr>
+            </a:lvl3pPr>
+            <a:lvl4pPr marL="1600200" indent="-228600" algn="l" defTabSz="914400" rtl="0" eaLnBrk="1" latinLnBrk="0" hangingPunct="1">
+              <a:lnSpc>
+                <a:spcPct val="90000"/>
+              </a:lnSpc>
+              <a:spcBef>
+                <a:spcPts val="500"/>
+              </a:spcBef>
+              <a:buFont typeface="Arial" panose="020B0604020202020204" pitchFamily="34" charset="0"/>
+              <a:buChar char="•"/>
+              <a:defRPr sz="1800" kern="1200">
+                <a:solidFill>
+                  <a:schemeClr val="tx1"/>
+                </a:solidFill>
+                <a:latin typeface="+mn-lt"/>
+                <a:ea typeface="+mn-ea"/>
+                <a:cs typeface="+mn-cs"/>
+              </a:defRPr>
+            </a:lvl4pPr>
+            <a:lvl5pPr marL="2057400" indent="-228600" algn="l" defTabSz="914400" rtl="0" eaLnBrk="1" latinLnBrk="0" hangingPunct="1">
+              <a:lnSpc>
+                <a:spcPct val="90000"/>
+              </a:lnSpc>
+              <a:spcBef>
+                <a:spcPts val="500"/>
+              </a:spcBef>
+              <a:buFont typeface="Arial" panose="020B0604020202020204" pitchFamily="34" charset="0"/>
+              <a:buChar char="•"/>
+              <a:defRPr sz="1800" kern="1200">
+                <a:solidFill>
+                  <a:schemeClr val="tx1"/>
+                </a:solidFill>
+                <a:latin typeface="+mn-lt"/>
+                <a:ea typeface="+mn-ea"/>
+                <a:cs typeface="+mn-cs"/>
+              </a:defRPr>
+            </a:lvl5pPr>
+            <a:lvl6pPr marL="2514600" indent="-228600" algn="l" defTabSz="914400" rtl="0" eaLnBrk="1" latinLnBrk="0" hangingPunct="1">
+              <a:lnSpc>
+                <a:spcPct val="90000"/>
+              </a:lnSpc>
+              <a:spcBef>
+                <a:spcPts val="500"/>
+              </a:spcBef>
+              <a:buFont typeface="Arial" panose="020B0604020202020204" pitchFamily="34" charset="0"/>
+              <a:buChar char="•"/>
+              <a:defRPr sz="1800" kern="1200">
+                <a:solidFill>
+                  <a:schemeClr val="tx1"/>
+                </a:solidFill>
+                <a:latin typeface="+mn-lt"/>
+                <a:ea typeface="+mn-ea"/>
+                <a:cs typeface="+mn-cs"/>
+              </a:defRPr>
+            </a:lvl6pPr>
+            <a:lvl7pPr marL="2971800" indent="-228600" algn="l" defTabSz="914400" rtl="0" eaLnBrk="1" latinLnBrk="0" hangingPunct="1">
+              <a:lnSpc>
+                <a:spcPct val="90000"/>
+              </a:lnSpc>
+              <a:spcBef>
+                <a:spcPts val="500"/>
+              </a:spcBef>
+              <a:buFont typeface="Arial" panose="020B0604020202020204" pitchFamily="34" charset="0"/>
+              <a:buChar char="•"/>
+              <a:defRPr sz="1800" kern="1200">
+                <a:solidFill>
+                  <a:schemeClr val="tx1"/>
+                </a:solidFill>
+                <a:latin typeface="+mn-lt"/>
+                <a:ea typeface="+mn-ea"/>
+                <a:cs typeface="+mn-cs"/>
+              </a:defRPr>
+            </a:lvl7pPr>
+            <a:lvl8pPr marL="3429000" indent="-228600" algn="l" defTabSz="914400" rtl="0" eaLnBrk="1" latinLnBrk="0" hangingPunct="1">
+              <a:lnSpc>
+                <a:spcPct val="90000"/>
+              </a:lnSpc>
+              <a:spcBef>
+                <a:spcPts val="500"/>
+              </a:spcBef>
+              <a:buFont typeface="Arial" panose="020B0604020202020204" pitchFamily="34" charset="0"/>
+              <a:buChar char="•"/>
+              <a:defRPr sz="1800" kern="1200">
+                <a:solidFill>
+                  <a:schemeClr val="tx1"/>
+                </a:solidFill>
+                <a:latin typeface="+mn-lt"/>
+                <a:ea typeface="+mn-ea"/>
+                <a:cs typeface="+mn-cs"/>
+              </a:defRPr>
+            </a:lvl8pPr>
+            <a:lvl9pPr marL="3886200" indent="-228600" algn="l" defTabSz="914400" rtl="0" eaLnBrk="1" latinLnBrk="0" hangingPunct="1">
+              <a:lnSpc>
+                <a:spcPct val="90000"/>
+              </a:lnSpc>
+              <a:spcBef>
+                <a:spcPts val="500"/>
+              </a:spcBef>
+              <a:buFont typeface="Arial" panose="020B0604020202020204" pitchFamily="34" charset="0"/>
+              <a:buChar char="•"/>
+              <a:defRPr sz="1800" kern="1200">
+                <a:solidFill>
+                  <a:schemeClr val="tx1"/>
+                </a:solidFill>
+                <a:latin typeface="+mn-lt"/>
+                <a:ea typeface="+mn-ea"/>
+                <a:cs typeface="+mn-cs"/>
+              </a:defRPr>
+            </a:lvl9pPr>
+          </a:lstStyle>
+          <a:p>
+            <a:pPr marL="0" indent="0">
+              <a:buFont typeface="Arial" panose="020B0604020202020204" pitchFamily="34" charset="0"/>
+              <a:buNone/>
+            </a:pPr>
+            <a:r>
+              <a:rPr lang="en-US" sz="1000" dirty="0"/>
+              <a:t>value change 0.435993</a:t>
+            </a:r>
+          </a:p>
+          <a:p>
+            <a:pPr marL="0" indent="0">
+              <a:buFont typeface="Arial" panose="020B0604020202020204" pitchFamily="34" charset="0"/>
+              <a:buNone/>
+            </a:pPr>
+            <a:r>
+              <a:rPr lang="en-US" sz="1000" dirty="0"/>
+              <a:t>value change 0.360778</a:t>
+            </a:r>
+          </a:p>
+          <a:p>
+            <a:pPr marL="0" indent="0">
+              <a:buFont typeface="Arial" panose="020B0604020202020204" pitchFamily="34" charset="0"/>
+              <a:buNone/>
+            </a:pPr>
+            <a:r>
+              <a:rPr lang="en-US" sz="1000" dirty="0"/>
+              <a:t>value change 0.255713</a:t>
+            </a:r>
+          </a:p>
+          <a:p>
+            <a:pPr marL="0" indent="0">
+              <a:buFont typeface="Arial" panose="020B0604020202020204" pitchFamily="34" charset="0"/>
+              <a:buNone/>
+            </a:pPr>
+            <a:r>
+              <a:rPr lang="en-US" sz="1000" dirty="0"/>
+              <a:t>value change 0.167818</a:t>
+            </a:r>
+          </a:p>
+          <a:p>
+            <a:pPr marL="0" indent="0">
+              <a:buFont typeface="Arial" panose="020B0604020202020204" pitchFamily="34" charset="0"/>
+              <a:buNone/>
+            </a:pPr>
+            <a:r>
+              <a:rPr lang="en-US" sz="1000" dirty="0"/>
+              <a:t>value change 0.105331</a:t>
+            </a:r>
+          </a:p>
+          <a:p>
+            <a:pPr marL="0" indent="0">
+              <a:buFont typeface="Arial" panose="020B0604020202020204" pitchFamily="34" charset="0"/>
+              <a:buNone/>
+            </a:pPr>
+            <a:r>
+              <a:rPr lang="en-US" sz="1000" dirty="0"/>
+              <a:t>.</a:t>
+            </a:r>
+          </a:p>
+          <a:p>
+            <a:pPr marL="0" indent="0">
+              <a:buFont typeface="Arial" panose="020B0604020202020204" pitchFamily="34" charset="0"/>
+              <a:buNone/>
+            </a:pPr>
+            <a:r>
+              <a:rPr lang="en-US" sz="1000" dirty="0"/>
+              <a:t>.</a:t>
+            </a:r>
+          </a:p>
+          <a:p>
+            <a:pPr marL="0" indent="0">
+              <a:buFont typeface="Arial" panose="020B0604020202020204" pitchFamily="34" charset="0"/>
+              <a:buNone/>
+            </a:pPr>
+            <a:r>
+              <a:rPr lang="en-US" sz="1000" dirty="0"/>
+              <a:t>value change 0.000286</a:t>
+            </a:r>
+          </a:p>
+          <a:p>
+            <a:pPr marL="0" indent="0">
+              <a:buFont typeface="Arial" panose="020B0604020202020204" pitchFamily="34" charset="0"/>
+              <a:buNone/>
+            </a:pPr>
+            <a:r>
+              <a:rPr lang="en-US" sz="1000" dirty="0"/>
+              <a:t>value change 0.000229</a:t>
+            </a:r>
+          </a:p>
+          <a:p>
+            <a:pPr marL="0" indent="0">
+              <a:buFont typeface="Arial" panose="020B0604020202020204" pitchFamily="34" charset="0"/>
+              <a:buNone/>
+            </a:pPr>
+            <a:r>
+              <a:rPr lang="en-US" sz="1000" dirty="0"/>
+              <a:t>value change 0.000185</a:t>
+            </a:r>
+          </a:p>
+          <a:p>
+            <a:pPr marL="0" indent="0">
+              <a:buFont typeface="Arial" panose="020B0604020202020204" pitchFamily="34" charset="0"/>
+              <a:buNone/>
+            </a:pPr>
+            <a:r>
+              <a:rPr lang="en-US" sz="1000" dirty="0"/>
+              <a:t>value change 0.000149</a:t>
+            </a:r>
+          </a:p>
+          <a:p>
+            <a:pPr marL="0" indent="0">
+              <a:buFont typeface="Arial" panose="020B0604020202020204" pitchFamily="34" charset="0"/>
+              <a:buNone/>
+            </a:pPr>
+            <a:r>
+              <a:rPr lang="en-US" sz="1000" dirty="0"/>
+              <a:t>value change 0.000121</a:t>
+            </a:r>
+          </a:p>
+          <a:p>
+            <a:pPr marL="0" indent="0">
+              <a:buFont typeface="Arial" panose="020B0604020202020204" pitchFamily="34" charset="0"/>
+              <a:buNone/>
+            </a:pPr>
+            <a:r>
+              <a:rPr lang="en-US" sz="1000" dirty="0"/>
+              <a:t>value change 0.000098</a:t>
+            </a:r>
+          </a:p>
+          <a:p>
+            <a:pPr marL="0" indent="0">
+              <a:buFont typeface="Arial" panose="020B0604020202020204" pitchFamily="34" charset="0"/>
+              <a:buNone/>
+            </a:pPr>
+            <a:r>
+              <a:rPr lang="en-US" sz="1000" dirty="0">
+                <a:highlight>
+                  <a:srgbClr val="FFFF00"/>
+                </a:highlight>
+              </a:rPr>
+              <a:t>policy changed in 0 states</a:t>
+            </a:r>
+          </a:p>
+        </p:txBody>
+      </p:sp>
+      <p:cxnSp>
+        <p:nvCxnSpPr>
+          <p:cNvPr id="13" name="Straight Arrow Connector 12">
+            <a:extLst>
+              <a:ext uri="{FF2B5EF4-FFF2-40B4-BE49-F238E27FC236}">
+                <a16:creationId xmlns:a16="http://schemas.microsoft.com/office/drawing/2014/main" id="{5DD87B57-4788-4FD5-91BE-9B2F590F41DD}"/>
+              </a:ext>
+            </a:extLst>
+          </p:cNvPr>
+          <p:cNvCxnSpPr>
+            <a:cxnSpLocks/>
+          </p:cNvCxnSpPr>
+          <p:nvPr/>
+        </p:nvCxnSpPr>
+        <p:spPr>
+          <a:xfrm>
+            <a:off x="9307265" y="4036651"/>
+            <a:ext cx="635632" cy="0"/>
+          </a:xfrm>
+          <a:prstGeom prst="straightConnector1">
+            <a:avLst/>
+          </a:prstGeom>
+          <a:ln w="76200">
+            <a:tailEnd type="triangle"/>
+          </a:ln>
+        </p:spPr>
+        <p:style>
+          <a:lnRef idx="3">
+            <a:schemeClr val="accent1"/>
+          </a:lnRef>
+          <a:fillRef idx="0">
+            <a:schemeClr val="accent1"/>
+          </a:fillRef>
+          <a:effectRef idx="2">
+            <a:schemeClr val="accent1"/>
+          </a:effectRef>
+          <a:fontRef idx="minor">
+            <a:schemeClr val="tx1"/>
+          </a:fontRef>
+        </p:style>
+      </p:cxnSp>
+      <p:sp>
+        <p:nvSpPr>
+          <p:cNvPr id="14" name="Freeform: Shape 13">
+            <a:extLst>
+              <a:ext uri="{FF2B5EF4-FFF2-40B4-BE49-F238E27FC236}">
+                <a16:creationId xmlns:a16="http://schemas.microsoft.com/office/drawing/2014/main" id="{3DD709C2-FCA0-450A-9E74-0997ECC95446}"/>
+              </a:ext>
+            </a:extLst>
+          </p:cNvPr>
+          <p:cNvSpPr/>
+          <p:nvPr/>
+        </p:nvSpPr>
+        <p:spPr>
+          <a:xfrm>
+            <a:off x="14332633" y="7023502"/>
+            <a:ext cx="572756" cy="713514"/>
+          </a:xfrm>
+          <a:custGeom>
+            <a:avLst/>
+            <a:gdLst>
+              <a:gd name="connsiteX0" fmla="*/ 0 w 572756"/>
+              <a:gd name="connsiteY0" fmla="*/ 361821 h 713514"/>
+              <a:gd name="connsiteX1" fmla="*/ 0 w 572756"/>
+              <a:gd name="connsiteY1" fmla="*/ 361821 h 713514"/>
+              <a:gd name="connsiteX2" fmla="*/ 90435 w 572756"/>
+              <a:gd name="connsiteY2" fmla="*/ 492450 h 713514"/>
+              <a:gd name="connsiteX3" fmla="*/ 130629 w 572756"/>
+              <a:gd name="connsiteY3" fmla="*/ 522595 h 713514"/>
+              <a:gd name="connsiteX4" fmla="*/ 150726 w 572756"/>
+              <a:gd name="connsiteY4" fmla="*/ 552740 h 713514"/>
+              <a:gd name="connsiteX5" fmla="*/ 180871 w 572756"/>
+              <a:gd name="connsiteY5" fmla="*/ 582885 h 713514"/>
+              <a:gd name="connsiteX6" fmla="*/ 241161 w 572756"/>
+              <a:gd name="connsiteY6" fmla="*/ 643175 h 713514"/>
+              <a:gd name="connsiteX7" fmla="*/ 251209 w 572756"/>
+              <a:gd name="connsiteY7" fmla="*/ 673320 h 713514"/>
+              <a:gd name="connsiteX8" fmla="*/ 281354 w 572756"/>
+              <a:gd name="connsiteY8" fmla="*/ 713514 h 713514"/>
+              <a:gd name="connsiteX9" fmla="*/ 281354 w 572756"/>
+              <a:gd name="connsiteY9" fmla="*/ 713514 h 713514"/>
+              <a:gd name="connsiteX10" fmla="*/ 341644 w 572756"/>
+              <a:gd name="connsiteY10" fmla="*/ 582885 h 713514"/>
+              <a:gd name="connsiteX11" fmla="*/ 361741 w 572756"/>
+              <a:gd name="connsiteY11" fmla="*/ 502498 h 713514"/>
+              <a:gd name="connsiteX12" fmla="*/ 452176 w 572756"/>
+              <a:gd name="connsiteY12" fmla="*/ 311580 h 713514"/>
+              <a:gd name="connsiteX13" fmla="*/ 502418 w 572756"/>
+              <a:gd name="connsiteY13" fmla="*/ 130709 h 713514"/>
+              <a:gd name="connsiteX14" fmla="*/ 552660 w 572756"/>
+              <a:gd name="connsiteY14" fmla="*/ 30226 h 713514"/>
+              <a:gd name="connsiteX15" fmla="*/ 572756 w 572756"/>
+              <a:gd name="connsiteY15" fmla="*/ 81 h 713514"/>
+              <a:gd name="connsiteX16" fmla="*/ 291402 w 572756"/>
+              <a:gd name="connsiteY16" fmla="*/ 532643 h 713514"/>
+              <a:gd name="connsiteX17" fmla="*/ 0 w 572756"/>
+              <a:gd name="connsiteY17" fmla="*/ 412063 h 713514"/>
+              <a:gd name="connsiteX18" fmla="*/ 0 w 572756"/>
+              <a:gd name="connsiteY18" fmla="*/ 361821 h 713514"/>
+            </a:gdLst>
+            <a:ahLst/>
+            <a:cxnLst>
+              <a:cxn ang="0">
+                <a:pos x="connsiteX0" y="connsiteY0"/>
+              </a:cxn>
+              <a:cxn ang="0">
+                <a:pos x="connsiteX1" y="connsiteY1"/>
+              </a:cxn>
+              <a:cxn ang="0">
+                <a:pos x="connsiteX2" y="connsiteY2"/>
+              </a:cxn>
+              <a:cxn ang="0">
+                <a:pos x="connsiteX3" y="connsiteY3"/>
+              </a:cxn>
+              <a:cxn ang="0">
+                <a:pos x="connsiteX4" y="connsiteY4"/>
+              </a:cxn>
+              <a:cxn ang="0">
+                <a:pos x="connsiteX5" y="connsiteY5"/>
+              </a:cxn>
+              <a:cxn ang="0">
+                <a:pos x="connsiteX6" y="connsiteY6"/>
+              </a:cxn>
+              <a:cxn ang="0">
+                <a:pos x="connsiteX7" y="connsiteY7"/>
+              </a:cxn>
+              <a:cxn ang="0">
+                <a:pos x="connsiteX8" y="connsiteY8"/>
+              </a:cxn>
+              <a:cxn ang="0">
+                <a:pos x="connsiteX9" y="connsiteY9"/>
+              </a:cxn>
+              <a:cxn ang="0">
+                <a:pos x="connsiteX10" y="connsiteY10"/>
+              </a:cxn>
+              <a:cxn ang="0">
+                <a:pos x="connsiteX11" y="connsiteY11"/>
+              </a:cxn>
+              <a:cxn ang="0">
+                <a:pos x="connsiteX12" y="connsiteY12"/>
+              </a:cxn>
+              <a:cxn ang="0">
+                <a:pos x="connsiteX13" y="connsiteY13"/>
+              </a:cxn>
+              <a:cxn ang="0">
+                <a:pos x="connsiteX14" y="connsiteY14"/>
+              </a:cxn>
+              <a:cxn ang="0">
+                <a:pos x="connsiteX15" y="connsiteY15"/>
+              </a:cxn>
+              <a:cxn ang="0">
+                <a:pos x="connsiteX16" y="connsiteY16"/>
+              </a:cxn>
+              <a:cxn ang="0">
+                <a:pos x="connsiteX17" y="connsiteY17"/>
+              </a:cxn>
+              <a:cxn ang="0">
+                <a:pos x="connsiteX18" y="connsiteY18"/>
+              </a:cxn>
+            </a:cxnLst>
+            <a:rect l="l" t="t" r="r" b="b"/>
+            <a:pathLst>
+              <a:path w="572756" h="713514">
+                <a:moveTo>
+                  <a:pt x="0" y="361821"/>
+                </a:moveTo>
+                <a:lnTo>
+                  <a:pt x="0" y="361821"/>
+                </a:lnTo>
+                <a:cubicBezTo>
+                  <a:pt x="30145" y="405364"/>
+                  <a:pt x="48067" y="460675"/>
+                  <a:pt x="90435" y="492450"/>
+                </a:cubicBezTo>
+                <a:cubicBezTo>
+                  <a:pt x="103833" y="502498"/>
+                  <a:pt x="118787" y="510753"/>
+                  <a:pt x="130629" y="522595"/>
+                </a:cubicBezTo>
+                <a:cubicBezTo>
+                  <a:pt x="139169" y="531134"/>
+                  <a:pt x="142995" y="543462"/>
+                  <a:pt x="150726" y="552740"/>
+                </a:cubicBezTo>
+                <a:cubicBezTo>
+                  <a:pt x="159823" y="563657"/>
+                  <a:pt x="171623" y="572096"/>
+                  <a:pt x="180871" y="582885"/>
+                </a:cubicBezTo>
+                <a:cubicBezTo>
+                  <a:pt x="230725" y="641049"/>
+                  <a:pt x="188094" y="607798"/>
+                  <a:pt x="241161" y="643175"/>
+                </a:cubicBezTo>
+                <a:cubicBezTo>
+                  <a:pt x="244510" y="653223"/>
+                  <a:pt x="245954" y="664124"/>
+                  <a:pt x="251209" y="673320"/>
+                </a:cubicBezTo>
+                <a:cubicBezTo>
+                  <a:pt x="259518" y="687861"/>
+                  <a:pt x="281354" y="713514"/>
+                  <a:pt x="281354" y="713514"/>
+                </a:cubicBezTo>
+                <a:lnTo>
+                  <a:pt x="281354" y="713514"/>
+                </a:lnTo>
+                <a:cubicBezTo>
+                  <a:pt x="301451" y="669971"/>
+                  <a:pt x="324572" y="627700"/>
+                  <a:pt x="341644" y="582885"/>
+                </a:cubicBezTo>
+                <a:cubicBezTo>
+                  <a:pt x="351477" y="557074"/>
+                  <a:pt x="351730" y="528240"/>
+                  <a:pt x="361741" y="502498"/>
+                </a:cubicBezTo>
+                <a:cubicBezTo>
+                  <a:pt x="428468" y="330917"/>
+                  <a:pt x="395249" y="472874"/>
+                  <a:pt x="452176" y="311580"/>
+                </a:cubicBezTo>
+                <a:cubicBezTo>
+                  <a:pt x="505575" y="160284"/>
+                  <a:pt x="432912" y="304473"/>
+                  <a:pt x="502418" y="130709"/>
+                </a:cubicBezTo>
+                <a:cubicBezTo>
+                  <a:pt x="516326" y="95940"/>
+                  <a:pt x="540818" y="65752"/>
+                  <a:pt x="552660" y="30226"/>
+                </a:cubicBezTo>
+                <a:cubicBezTo>
+                  <a:pt x="563767" y="-3096"/>
+                  <a:pt x="552116" y="81"/>
+                  <a:pt x="572756" y="81"/>
+                </a:cubicBezTo>
+                <a:lnTo>
+                  <a:pt x="291402" y="532643"/>
+                </a:lnTo>
+                <a:lnTo>
+                  <a:pt x="0" y="412063"/>
+                </a:lnTo>
+                <a:lnTo>
+                  <a:pt x="0" y="361821"/>
+                </a:lnTo>
+                <a:close/>
+              </a:path>
+            </a:pathLst>
+          </a:custGeom>
+        </p:spPr>
+        <p:style>
+          <a:lnRef idx="2">
+            <a:schemeClr val="accent1">
+              <a:shade val="50000"/>
+            </a:schemeClr>
+          </a:lnRef>
+          <a:fillRef idx="1">
+            <a:schemeClr val="accent1"/>
+          </a:fillRef>
+          <a:effectRef idx="0">
+            <a:schemeClr val="accent1"/>
+          </a:effectRef>
+          <a:fontRef idx="minor">
+            <a:schemeClr val="lt1"/>
+          </a:fontRef>
+        </p:style>
+        <p:txBody>
+          <a:bodyPr rtlCol="0" anchor="ctr"/>
+          <a:lstStyle/>
+          <a:p>
+            <a:pPr algn="ctr"/>
+            <a:endParaRPr lang="en-US"/>
+          </a:p>
+        </p:txBody>
+      </p:sp>
+      <p:sp>
+        <p:nvSpPr>
+          <p:cNvPr id="15" name="TextBox 14">
+            <a:extLst>
+              <a:ext uri="{FF2B5EF4-FFF2-40B4-BE49-F238E27FC236}">
+                <a16:creationId xmlns:a16="http://schemas.microsoft.com/office/drawing/2014/main" id="{5B852E20-0813-4AA2-83BF-564D375B3045}"/>
+              </a:ext>
+            </a:extLst>
+          </p:cNvPr>
+          <p:cNvSpPr txBox="1"/>
+          <p:nvPr/>
+        </p:nvSpPr>
+        <p:spPr>
+          <a:xfrm>
+            <a:off x="6251631" y="3650870"/>
             <a:ext cx="704039" cy="523220"/>
           </a:xfrm>
           <a:prstGeom prst="rect">
@@ -8574,6 +9602,168 @@
           </a:p>
         </p:txBody>
       </p:sp>
+      <p:grpSp>
+        <p:nvGrpSpPr>
+          <p:cNvPr id="19" name="Group 18">
+            <a:extLst>
+              <a:ext uri="{FF2B5EF4-FFF2-40B4-BE49-F238E27FC236}">
+                <a16:creationId xmlns:a16="http://schemas.microsoft.com/office/drawing/2014/main" id="{CE5F0D73-EA97-46A8-BF57-2F6F8545CC95}"/>
+              </a:ext>
+            </a:extLst>
+          </p:cNvPr>
+          <p:cNvGrpSpPr/>
+          <p:nvPr/>
+        </p:nvGrpSpPr>
+        <p:grpSpPr>
+          <a:xfrm>
+            <a:off x="6903280" y="302209"/>
+            <a:ext cx="4332645" cy="1271276"/>
+            <a:chOff x="7759532" y="253387"/>
+            <a:chExt cx="4332645" cy="1271276"/>
+          </a:xfrm>
+        </p:grpSpPr>
+        <p:pic>
+          <p:nvPicPr>
+            <p:cNvPr id="3" name="Picture 2">
+              <a:extLst>
+                <a:ext uri="{FF2B5EF4-FFF2-40B4-BE49-F238E27FC236}">
+                  <a16:creationId xmlns:a16="http://schemas.microsoft.com/office/drawing/2014/main" id="{2800C839-DEFF-45A5-A430-9EB745CF54AF}"/>
+                </a:ext>
+              </a:extLst>
+            </p:cNvPr>
+            <p:cNvPicPr>
+              <a:picLocks noChangeAspect="1"/>
+            </p:cNvPicPr>
+            <p:nvPr/>
+          </p:nvPicPr>
+          <p:blipFill rotWithShape="1">
+            <a:blip r:embed="rId2"/>
+            <a:srcRect t="2058" b="49743"/>
+            <a:stretch/>
+          </p:blipFill>
+          <p:spPr>
+            <a:xfrm>
+              <a:off x="7759532" y="253387"/>
+              <a:ext cx="1796952" cy="1271276"/>
+            </a:xfrm>
+            <a:prstGeom prst="rect">
+              <a:avLst/>
+            </a:prstGeom>
+            <a:noFill/>
+            <a:ln>
+              <a:noFill/>
+            </a:ln>
+          </p:spPr>
+          <p:style>
+            <a:lnRef idx="0">
+              <a:scrgbClr r="0" g="0" b="0"/>
+            </a:lnRef>
+            <a:fillRef idx="0">
+              <a:scrgbClr r="0" g="0" b="0"/>
+            </a:fillRef>
+            <a:effectRef idx="0">
+              <a:scrgbClr r="0" g="0" b="0"/>
+            </a:effectRef>
+            <a:fontRef idx="minor">
+              <a:schemeClr val="dk1"/>
+            </a:fontRef>
+          </p:style>
+        </p:pic>
+        <p:pic>
+          <p:nvPicPr>
+            <p:cNvPr id="17" name="Picture 16">
+              <a:extLst>
+                <a:ext uri="{FF2B5EF4-FFF2-40B4-BE49-F238E27FC236}">
+                  <a16:creationId xmlns:a16="http://schemas.microsoft.com/office/drawing/2014/main" id="{2CC75F3C-760B-4877-9AEC-2D706B886465}"/>
+                </a:ext>
+              </a:extLst>
+            </p:cNvPr>
+            <p:cNvPicPr>
+              <a:picLocks noChangeAspect="1"/>
+            </p:cNvPicPr>
+            <p:nvPr/>
+          </p:nvPicPr>
+          <p:blipFill rotWithShape="1">
+            <a:blip r:embed="rId2"/>
+            <a:srcRect l="37635" t="51384" r="37726" b="17961"/>
+            <a:stretch/>
+          </p:blipFill>
+          <p:spPr>
+            <a:xfrm rot="16200000">
+              <a:off x="9669584" y="500515"/>
+              <a:ext cx="442760" cy="808522"/>
+            </a:xfrm>
+            <a:prstGeom prst="rect">
+              <a:avLst/>
+            </a:prstGeom>
+            <a:noFill/>
+            <a:ln>
+              <a:noFill/>
+            </a:ln>
+          </p:spPr>
+          <p:style>
+            <a:lnRef idx="0">
+              <a:scrgbClr r="0" g="0" b="0"/>
+            </a:lnRef>
+            <a:fillRef idx="0">
+              <a:scrgbClr r="0" g="0" b="0"/>
+            </a:fillRef>
+            <a:effectRef idx="0">
+              <a:scrgbClr r="0" g="0" b="0"/>
+            </a:effectRef>
+            <a:fontRef idx="minor">
+              <a:schemeClr val="dk1"/>
+            </a:fontRef>
+          </p:style>
+        </p:pic>
+        <p:pic>
+          <p:nvPicPr>
+            <p:cNvPr id="18" name="Picture 17">
+              <a:extLst>
+                <a:ext uri="{FF2B5EF4-FFF2-40B4-BE49-F238E27FC236}">
+                  <a16:creationId xmlns:a16="http://schemas.microsoft.com/office/drawing/2014/main" id="{F5D6FF54-8F9F-4157-8DD9-281969D3C533}"/>
+                </a:ext>
+              </a:extLst>
+            </p:cNvPr>
+            <p:cNvPicPr>
+              <a:picLocks noChangeAspect="1"/>
+            </p:cNvPicPr>
+            <p:nvPr/>
+          </p:nvPicPr>
+          <p:blipFill rotWithShape="1">
+            <a:blip r:embed="rId2"/>
+            <a:srcRect t="82404"/>
+            <a:stretch/>
+          </p:blipFill>
+          <p:spPr>
+            <a:xfrm>
+              <a:off x="10295225" y="696792"/>
+              <a:ext cx="1796952" cy="464110"/>
+            </a:xfrm>
+            <a:prstGeom prst="rect">
+              <a:avLst/>
+            </a:prstGeom>
+            <a:noFill/>
+            <a:ln>
+              <a:noFill/>
+            </a:ln>
+          </p:spPr>
+          <p:style>
+            <a:lnRef idx="0">
+              <a:scrgbClr r="0" g="0" b="0"/>
+            </a:lnRef>
+            <a:fillRef idx="0">
+              <a:scrgbClr r="0" g="0" b="0"/>
+            </a:fillRef>
+            <a:effectRef idx="0">
+              <a:scrgbClr r="0" g="0" b="0"/>
+            </a:effectRef>
+            <a:fontRef idx="minor">
+              <a:schemeClr val="dk1"/>
+            </a:fontRef>
+          </p:style>
+        </p:pic>
+      </p:grpSp>
     </p:spTree>
     <p:extLst>
       <p:ext uri="{BB962C8B-B14F-4D97-AF65-F5344CB8AC3E}">
